--- a/monolit/documentation/microservices lectures/HTTP + REST.pptx
+++ b/monolit/documentation/microservices lectures/HTTP + REST.pptx
@@ -5,22 +5,36 @@
     <p:sldMasterId id="2147483648" r:id="rId1"/>
   </p:sldMasterIdLst>
   <p:notesMasterIdLst>
-    <p:notesMasterId r:id="rId15"/>
+    <p:notesMasterId r:id="rId29"/>
   </p:notesMasterIdLst>
   <p:sldIdLst>
     <p:sldId id="256" r:id="rId2"/>
     <p:sldId id="257" r:id="rId3"/>
-    <p:sldId id="267" r:id="rId4"/>
-    <p:sldId id="258" r:id="rId5"/>
-    <p:sldId id="266" r:id="rId6"/>
-    <p:sldId id="259" r:id="rId7"/>
-    <p:sldId id="268" r:id="rId8"/>
-    <p:sldId id="260" r:id="rId9"/>
-    <p:sldId id="263" r:id="rId10"/>
-    <p:sldId id="270" r:id="rId11"/>
-    <p:sldId id="264" r:id="rId12"/>
-    <p:sldId id="269" r:id="rId13"/>
-    <p:sldId id="261" r:id="rId14"/>
+    <p:sldId id="287" r:id="rId4"/>
+    <p:sldId id="288" r:id="rId5"/>
+    <p:sldId id="267" r:id="rId6"/>
+    <p:sldId id="258" r:id="rId7"/>
+    <p:sldId id="276" r:id="rId8"/>
+    <p:sldId id="279" r:id="rId9"/>
+    <p:sldId id="266" r:id="rId10"/>
+    <p:sldId id="259" r:id="rId11"/>
+    <p:sldId id="272" r:id="rId12"/>
+    <p:sldId id="273" r:id="rId13"/>
+    <p:sldId id="274" r:id="rId14"/>
+    <p:sldId id="275" r:id="rId15"/>
+    <p:sldId id="260" r:id="rId16"/>
+    <p:sldId id="281" r:id="rId17"/>
+    <p:sldId id="263" r:id="rId18"/>
+    <p:sldId id="282" r:id="rId19"/>
+    <p:sldId id="283" r:id="rId20"/>
+    <p:sldId id="284" r:id="rId21"/>
+    <p:sldId id="285" r:id="rId22"/>
+    <p:sldId id="286" r:id="rId23"/>
+    <p:sldId id="270" r:id="rId24"/>
+    <p:sldId id="264" r:id="rId25"/>
+    <p:sldId id="269" r:id="rId26"/>
+    <p:sldId id="271" r:id="rId27"/>
+    <p:sldId id="261" r:id="rId28"/>
   </p:sldIdLst>
   <p:sldSz cx="9144000" cy="6858000" type="screen4x3"/>
   <p:notesSz cx="6858000" cy="9144000"/>
@@ -522,11 +536,7 @@
             </a:r>
             <a:r>
               <a:rPr lang="pl-PL" baseline="0" dirty="0" smtClean="0"/>
-              <a:t> nie jest wymagane do poprawnego działania HTTP, HTTP potrzebuje pewnego protokołu transmisji (takiego który nie gubi pakietów jak np. </a:t>
-            </a:r>
-            <a:r>
-              <a:rPr lang="pl-PL" baseline="0" smtClean="0"/>
-              <a:t>UDP)</a:t>
+              <a:t> nie jest wymagane do poprawnego działania HTTP, HTTP potrzebuje pewnego protokołu transmisji (takiego który nie gubi pakietów jak np. UDP)</a:t>
             </a:r>
             <a:endParaRPr lang="en-GB" dirty="0"/>
           </a:p>
@@ -549,7 +559,7 @@
           <a:p>
             <a:fld id="{07E43847-242A-4CCD-8824-4D90653804D3}" type="slidenum">
               <a:rPr lang="en-GB" smtClean="0"/>
-              <a:t>3</a:t>
+              <a:t>5</a:t>
             </a:fld>
             <a:endParaRPr lang="en-GB"/>
           </a:p>
@@ -613,14 +623,52 @@
           <a:lstStyle/>
           <a:p>
             <a:r>
-              <a:rPr lang="pl-PL" dirty="0" smtClean="0"/>
-              <a:t>Twoje API będzie</a:t>
-            </a:r>
-            <a:r>
-              <a:rPr lang="pl-PL" baseline="0" dirty="0" smtClean="0"/>
-              <a:t> wykorzystywane przez innych programistów. Zastanów się czego sam oczekiwałbyś od dobrego API?</a:t>
-            </a:r>
-            <a:endParaRPr lang="en-GB" dirty="0"/>
+              <a:rPr lang="en-US" b="1" dirty="0" smtClean="0"/>
+              <a:t>HTTP is connectionless:</a:t>
+            </a:r>
+            <a:r>
+              <a:rPr lang="en-US" dirty="0" smtClean="0"/>
+              <a:t> The HTTP client, i.e., a browser initiates an HTTP request and after a request is made, the client waits for the response. The server processes the request and sends a response back after which client disconnect the connection. So client and server knows about each other during current request and response only. Further requests are made on new connection like client and server are new to each other.</a:t>
+            </a:r>
+            <a:endParaRPr lang="pl-PL" dirty="0" smtClean="0"/>
+          </a:p>
+          <a:p>
+            <a:endParaRPr lang="pl-PL" dirty="0" smtClean="0"/>
+          </a:p>
+          <a:p>
+            <a:r>
+              <a:rPr lang="en-US" dirty="0" smtClean="0"/>
+              <a:t>HTTP (1.0 without connection keep alive) is connectionless because once a single HTTP request is serviced, the connection is closed and not reused. HTTP requests are not TCP protocol data units, so that TCP is connection-oriented with respect to TCP protocol data units doesn't stop HTTP from being connectionless with respect to HTTP protocol data units.</a:t>
+            </a:r>
+            <a:endParaRPr lang="pl-PL" dirty="0" smtClean="0"/>
+          </a:p>
+          <a:p>
+            <a:endParaRPr lang="en-US" dirty="0" smtClean="0"/>
+          </a:p>
+          <a:p>
+            <a:r>
+              <a:rPr lang="en-US" b="1" dirty="0" smtClean="0"/>
+              <a:t>HTTP is media independent:</a:t>
+            </a:r>
+            <a:r>
+              <a:rPr lang="en-US" dirty="0" smtClean="0"/>
+              <a:t> It means, any type of data can be sent by HTTP as long as both the client and the server know how to handle the data content. It is required for the client as well as the server to specify the content type using appropriate MIME-type.</a:t>
+            </a:r>
+            <a:endParaRPr lang="pl-PL" dirty="0" smtClean="0"/>
+          </a:p>
+          <a:p>
+            <a:endParaRPr lang="en-US" dirty="0" smtClean="0"/>
+          </a:p>
+          <a:p>
+            <a:r>
+              <a:rPr lang="en-US" b="1" dirty="0" smtClean="0"/>
+              <a:t>HTTP is stateless:</a:t>
+            </a:r>
+            <a:r>
+              <a:rPr lang="en-US" dirty="0" smtClean="0"/>
+              <a:t> As mentioned above, HTTP is connectionless and it is a direct result of HTTP being a stateless protocol. The server and client are aware of each other only during a current request. Afterwards, both of them forget about each other. Due to this nature of the protocol, neither the client nor the browser can retain information between different requests across the web pages.</a:t>
+            </a:r>
+            <a:endParaRPr lang="en-US" dirty="0"/>
           </a:p>
         </p:txBody>
       </p:sp>
@@ -641,7 +689,7 @@
           <a:p>
             <a:fld id="{07E43847-242A-4CCD-8824-4D90653804D3}" type="slidenum">
               <a:rPr lang="en-GB" smtClean="0"/>
-              <a:t>10</a:t>
+              <a:t>9</a:t>
             </a:fld>
             <a:endParaRPr lang="en-GB"/>
           </a:p>
@@ -650,7 +698,7 @@
     </p:spTree>
     <p:extLst>
       <p:ext uri="{BB962C8B-B14F-4D97-AF65-F5344CB8AC3E}">
-        <p14:creationId xmlns:p14="http://schemas.microsoft.com/office/powerpoint/2010/main" val="1890304149"/>
+        <p14:creationId xmlns:p14="http://schemas.microsoft.com/office/powerpoint/2010/main" val="1624717977"/>
       </p:ext>
     </p:extLst>
   </p:cSld>
@@ -706,6 +754,109 @@
           <a:p>
             <a:r>
               <a:rPr lang="pl-PL" dirty="0" smtClean="0"/>
+              <a:t>Twoje API będzie</a:t>
+            </a:r>
+            <a:r>
+              <a:rPr lang="pl-PL" baseline="0" dirty="0" smtClean="0"/>
+              <a:t> wykorzystywane przez innych programistów. Zastanów się czego sam oczekiwałbyś od dobrego API?</a:t>
+            </a:r>
+            <a:endParaRPr lang="en-GB" dirty="0"/>
+          </a:p>
+        </p:txBody>
+      </p:sp>
+      <p:sp>
+        <p:nvSpPr>
+          <p:cNvPr id="4" name="Slide Number Placeholder 3"/>
+          <p:cNvSpPr>
+            <a:spLocks noGrp="1"/>
+          </p:cNvSpPr>
+          <p:nvPr>
+            <p:ph type="sldNum" sz="quarter" idx="10"/>
+          </p:nvPr>
+        </p:nvSpPr>
+        <p:spPr/>
+        <p:txBody>
+          <a:bodyPr/>
+          <a:lstStyle/>
+          <a:p>
+            <a:fld id="{07E43847-242A-4CCD-8824-4D90653804D3}" type="slidenum">
+              <a:rPr lang="en-GB" smtClean="0"/>
+              <a:t>23</a:t>
+            </a:fld>
+            <a:endParaRPr lang="en-GB"/>
+          </a:p>
+        </p:txBody>
+      </p:sp>
+    </p:spTree>
+    <p:extLst>
+      <p:ext uri="{BB962C8B-B14F-4D97-AF65-F5344CB8AC3E}">
+        <p14:creationId xmlns:p14="http://schemas.microsoft.com/office/powerpoint/2010/main" val="1890304149"/>
+      </p:ext>
+    </p:extLst>
+  </p:cSld>
+  <p:clrMapOvr>
+    <a:masterClrMapping/>
+  </p:clrMapOvr>
+</p:notes>
+</file>
+
+<file path=ppt/notesSlides/notesSlide4.xml><?xml version="1.0" encoding="utf-8"?>
+<p:notes xmlns:a="http://schemas.openxmlformats.org/drawingml/2006/main" xmlns:r="http://schemas.openxmlformats.org/officeDocument/2006/relationships" xmlns:p="http://schemas.openxmlformats.org/presentationml/2006/main">
+  <p:cSld>
+    <p:spTree>
+      <p:nvGrpSpPr>
+        <p:cNvPr id="1" name=""/>
+        <p:cNvGrpSpPr/>
+        <p:nvPr/>
+      </p:nvGrpSpPr>
+      <p:grpSpPr>
+        <a:xfrm>
+          <a:off x="0" y="0"/>
+          <a:ext cx="0" cy="0"/>
+          <a:chOff x="0" y="0"/>
+          <a:chExt cx="0" cy="0"/>
+        </a:xfrm>
+      </p:grpSpPr>
+      <p:sp>
+        <p:nvSpPr>
+          <p:cNvPr id="2" name="Slide Image Placeholder 1"/>
+          <p:cNvSpPr>
+            <a:spLocks noGrp="1" noRot="1" noChangeAspect="1"/>
+          </p:cNvSpPr>
+          <p:nvPr>
+            <p:ph type="sldImg"/>
+          </p:nvPr>
+        </p:nvSpPr>
+        <p:spPr/>
+      </p:sp>
+      <p:sp>
+        <p:nvSpPr>
+          <p:cNvPr id="3" name="Notes Placeholder 2"/>
+          <p:cNvSpPr>
+            <a:spLocks noGrp="1"/>
+          </p:cNvSpPr>
+          <p:nvPr>
+            <p:ph type="body" idx="1"/>
+          </p:nvPr>
+        </p:nvSpPr>
+        <p:spPr/>
+        <p:txBody>
+          <a:bodyPr/>
+          <a:lstStyle/>
+          <a:p>
+            <a:r>
+              <a:rPr lang="pl-PL" dirty="0" smtClean="0"/>
+              <a:t>3. Zwracaj</a:t>
+            </a:r>
+            <a:r>
+              <a:rPr lang="pl-PL" baseline="0" dirty="0" smtClean="0"/>
+              <a:t> użyteczne informacje po wykonaniu operacji PUT, PATCH, POST. W przypadku błędu nie ograniczaj się do 404 </a:t>
+            </a:r>
+            <a:endParaRPr lang="pl-PL" dirty="0" smtClean="0"/>
+          </a:p>
+          <a:p>
+            <a:r>
+              <a:rPr lang="pl-PL" dirty="0" smtClean="0"/>
               <a:t>6. Dzięki temu zachowujemy kompatybilność</a:t>
             </a:r>
             <a:r>
@@ -879,7 +1030,7 @@
           <a:p>
             <a:fld id="{07E43847-242A-4CCD-8824-4D90653804D3}" type="slidenum">
               <a:rPr lang="en-GB" smtClean="0"/>
-              <a:t>12</a:t>
+              <a:t>25</a:t>
             </a:fld>
             <a:endParaRPr lang="en-GB"/>
           </a:p>
@@ -889,6 +1040,94 @@
     <p:extLst>
       <p:ext uri="{BB962C8B-B14F-4D97-AF65-F5344CB8AC3E}">
         <p14:creationId xmlns:p14="http://schemas.microsoft.com/office/powerpoint/2010/main" val="1225504492"/>
+      </p:ext>
+    </p:extLst>
+  </p:cSld>
+  <p:clrMapOvr>
+    <a:masterClrMapping/>
+  </p:clrMapOvr>
+</p:notes>
+</file>
+
+<file path=ppt/notesSlides/notesSlide5.xml><?xml version="1.0" encoding="utf-8"?>
+<p:notes xmlns:a="http://schemas.openxmlformats.org/drawingml/2006/main" xmlns:r="http://schemas.openxmlformats.org/officeDocument/2006/relationships" xmlns:p="http://schemas.openxmlformats.org/presentationml/2006/main">
+  <p:cSld>
+    <p:spTree>
+      <p:nvGrpSpPr>
+        <p:cNvPr id="1" name=""/>
+        <p:cNvGrpSpPr/>
+        <p:nvPr/>
+      </p:nvGrpSpPr>
+      <p:grpSpPr>
+        <a:xfrm>
+          <a:off x="0" y="0"/>
+          <a:ext cx="0" cy="0"/>
+          <a:chOff x="0" y="0"/>
+          <a:chExt cx="0" cy="0"/>
+        </a:xfrm>
+      </p:grpSpPr>
+      <p:sp>
+        <p:nvSpPr>
+          <p:cNvPr id="2" name="Slide Image Placeholder 1"/>
+          <p:cNvSpPr>
+            <a:spLocks noGrp="1" noRot="1" noChangeAspect="1"/>
+          </p:cNvSpPr>
+          <p:nvPr>
+            <p:ph type="sldImg"/>
+          </p:nvPr>
+        </p:nvSpPr>
+        <p:spPr/>
+      </p:sp>
+      <p:sp>
+        <p:nvSpPr>
+          <p:cNvPr id="3" name="Notes Placeholder 2"/>
+          <p:cNvSpPr>
+            <a:spLocks noGrp="1"/>
+          </p:cNvSpPr>
+          <p:nvPr>
+            <p:ph type="body" idx="1"/>
+          </p:nvPr>
+        </p:nvSpPr>
+        <p:spPr/>
+        <p:txBody>
+          <a:bodyPr/>
+          <a:lstStyle/>
+          <a:p>
+            <a:r>
+              <a:rPr lang="pl-PL" dirty="0" smtClean="0"/>
+              <a:t>8. url vs nagłówek http</a:t>
+            </a:r>
+            <a:endParaRPr lang="en-GB" dirty="0"/>
+          </a:p>
+        </p:txBody>
+      </p:sp>
+      <p:sp>
+        <p:nvSpPr>
+          <p:cNvPr id="4" name="Slide Number Placeholder 3"/>
+          <p:cNvSpPr>
+            <a:spLocks noGrp="1"/>
+          </p:cNvSpPr>
+          <p:nvPr>
+            <p:ph type="sldNum" sz="quarter" idx="10"/>
+          </p:nvPr>
+        </p:nvSpPr>
+        <p:spPr/>
+        <p:txBody>
+          <a:bodyPr/>
+          <a:lstStyle/>
+          <a:p>
+            <a:fld id="{07E43847-242A-4CCD-8824-4D90653804D3}" type="slidenum">
+              <a:rPr lang="en-GB" smtClean="0"/>
+              <a:t>26</a:t>
+            </a:fld>
+            <a:endParaRPr lang="en-GB"/>
+          </a:p>
+        </p:txBody>
+      </p:sp>
+    </p:spTree>
+    <p:extLst>
+      <p:ext uri="{BB962C8B-B14F-4D97-AF65-F5344CB8AC3E}">
+        <p14:creationId xmlns:p14="http://schemas.microsoft.com/office/powerpoint/2010/main" val="1279184154"/>
       </p:ext>
     </p:extLst>
   </p:cSld>
@@ -3903,7 +4142,7 @@
           <a:p>
             <a:r>
               <a:rPr lang="pl-PL" dirty="0" smtClean="0"/>
-              <a:t>HTTP + REST</a:t>
+              <a:t>Rest API + HTTP</a:t>
             </a:r>
             <a:endParaRPr lang="en-GB" dirty="0"/>
           </a:p>
@@ -3938,10 +4177,1753 @@
   <p:clrMapOvr>
     <a:masterClrMapping/>
   </p:clrMapOvr>
+  <p:timing>
+    <p:tnLst>
+      <p:par>
+        <p:cTn id="1" dur="indefinite" restart="never" nodeType="tmRoot"/>
+      </p:par>
+    </p:tnLst>
+  </p:timing>
 </p:sld>
 </file>
 
 <file path=ppt/slides/slide10.xml><?xml version="1.0" encoding="utf-8"?>
+<p:sld xmlns:a="http://schemas.openxmlformats.org/drawingml/2006/main" xmlns:r="http://schemas.openxmlformats.org/officeDocument/2006/relationships" xmlns:p="http://schemas.openxmlformats.org/presentationml/2006/main">
+  <p:cSld>
+    <p:spTree>
+      <p:nvGrpSpPr>
+        <p:cNvPr id="1" name=""/>
+        <p:cNvGrpSpPr/>
+        <p:nvPr/>
+      </p:nvGrpSpPr>
+      <p:grpSpPr>
+        <a:xfrm>
+          <a:off x="0" y="0"/>
+          <a:ext cx="0" cy="0"/>
+          <a:chOff x="0" y="0"/>
+          <a:chExt cx="0" cy="0"/>
+        </a:xfrm>
+      </p:grpSpPr>
+      <p:sp>
+        <p:nvSpPr>
+          <p:cNvPr id="2" name="Title 1"/>
+          <p:cNvSpPr>
+            <a:spLocks noGrp="1"/>
+          </p:cNvSpPr>
+          <p:nvPr>
+            <p:ph type="title"/>
+          </p:nvPr>
+        </p:nvSpPr>
+        <p:spPr/>
+        <p:txBody>
+          <a:bodyPr/>
+          <a:lstStyle/>
+          <a:p>
+            <a:r>
+              <a:rPr lang="pl-PL" dirty="0" smtClean="0"/>
+              <a:t>HTTP - metody</a:t>
+            </a:r>
+            <a:endParaRPr lang="en-GB" dirty="0"/>
+          </a:p>
+        </p:txBody>
+      </p:sp>
+      <p:sp>
+        <p:nvSpPr>
+          <p:cNvPr id="3" name="Content Placeholder 2"/>
+          <p:cNvSpPr>
+            <a:spLocks noGrp="1"/>
+          </p:cNvSpPr>
+          <p:nvPr>
+            <p:ph idx="1"/>
+          </p:nvPr>
+        </p:nvSpPr>
+        <p:spPr/>
+        <p:txBody>
+          <a:bodyPr>
+            <a:normAutofit/>
+          </a:bodyPr>
+          <a:lstStyle/>
+          <a:p>
+            <a:r>
+              <a:rPr lang="pl-PL" dirty="0" smtClean="0"/>
+              <a:t>GET</a:t>
+            </a:r>
+          </a:p>
+          <a:p>
+            <a:pPr lvl="1">
+              <a:buFont typeface="Wingdings" panose="05000000000000000000" pitchFamily="2" charset="2"/>
+              <a:buChar char="§"/>
+            </a:pPr>
+            <a:r>
+              <a:rPr lang="pl-PL" dirty="0" smtClean="0"/>
+              <a:t>Idempotentna</a:t>
+            </a:r>
+          </a:p>
+          <a:p>
+            <a:pPr lvl="1">
+              <a:buFont typeface="Wingdings" panose="05000000000000000000" pitchFamily="2" charset="2"/>
+              <a:buChar char="§"/>
+            </a:pPr>
+            <a:r>
+              <a:rPr lang="pl-PL" dirty="0" smtClean="0"/>
+              <a:t>Bezpieczna (tylko odczyt, nie zmienia stanu zasobów po stronie serwera)</a:t>
+            </a:r>
+          </a:p>
+          <a:p>
+            <a:pPr lvl="1">
+              <a:buFont typeface="Wingdings" panose="05000000000000000000" pitchFamily="2" charset="2"/>
+              <a:buChar char="§"/>
+            </a:pPr>
+            <a:r>
+              <a:rPr lang="pl-PL" dirty="0" smtClean="0"/>
+              <a:t>Odpowiedź może być cache’owana</a:t>
+            </a:r>
+          </a:p>
+          <a:p>
+            <a:pPr lvl="1">
+              <a:buFont typeface="Wingdings" panose="05000000000000000000" pitchFamily="2" charset="2"/>
+              <a:buChar char="§"/>
+            </a:pPr>
+            <a:r>
+              <a:rPr lang="pl-PL" dirty="0"/>
+              <a:t>R</a:t>
+            </a:r>
+            <a:r>
+              <a:rPr lang="pl-PL" dirty="0" smtClean="0"/>
+              <a:t>equest body jest ignorowane po stronie serwera</a:t>
+            </a:r>
+            <a:endParaRPr lang="en-GB" dirty="0"/>
+          </a:p>
+        </p:txBody>
+      </p:sp>
+    </p:spTree>
+    <p:extLst>
+      <p:ext uri="{BB962C8B-B14F-4D97-AF65-F5344CB8AC3E}">
+        <p14:creationId xmlns:p14="http://schemas.microsoft.com/office/powerpoint/2010/main" val="303495412"/>
+      </p:ext>
+    </p:extLst>
+  </p:cSld>
+  <p:clrMapOvr>
+    <a:masterClrMapping/>
+  </p:clrMapOvr>
+  <p:timing>
+    <p:tnLst>
+      <p:par>
+        <p:cTn id="1" dur="indefinite" restart="never" nodeType="tmRoot"/>
+      </p:par>
+    </p:tnLst>
+  </p:timing>
+</p:sld>
+</file>
+
+<file path=ppt/slides/slide11.xml><?xml version="1.0" encoding="utf-8"?>
+<p:sld xmlns:a="http://schemas.openxmlformats.org/drawingml/2006/main" xmlns:r="http://schemas.openxmlformats.org/officeDocument/2006/relationships" xmlns:p="http://schemas.openxmlformats.org/presentationml/2006/main">
+  <p:cSld>
+    <p:spTree>
+      <p:nvGrpSpPr>
+        <p:cNvPr id="1" name=""/>
+        <p:cNvGrpSpPr/>
+        <p:nvPr/>
+      </p:nvGrpSpPr>
+      <p:grpSpPr>
+        <a:xfrm>
+          <a:off x="0" y="0"/>
+          <a:ext cx="0" cy="0"/>
+          <a:chOff x="0" y="0"/>
+          <a:chExt cx="0" cy="0"/>
+        </a:xfrm>
+      </p:grpSpPr>
+      <p:sp>
+        <p:nvSpPr>
+          <p:cNvPr id="2" name="Title 1"/>
+          <p:cNvSpPr>
+            <a:spLocks noGrp="1"/>
+          </p:cNvSpPr>
+          <p:nvPr>
+            <p:ph type="title"/>
+          </p:nvPr>
+        </p:nvSpPr>
+        <p:spPr/>
+        <p:txBody>
+          <a:bodyPr/>
+          <a:lstStyle/>
+          <a:p>
+            <a:r>
+              <a:rPr lang="pl-PL" dirty="0" smtClean="0"/>
+              <a:t>HTTP - metody</a:t>
+            </a:r>
+            <a:endParaRPr lang="en-GB" dirty="0"/>
+          </a:p>
+        </p:txBody>
+      </p:sp>
+      <p:sp>
+        <p:nvSpPr>
+          <p:cNvPr id="3" name="Content Placeholder 2"/>
+          <p:cNvSpPr>
+            <a:spLocks noGrp="1"/>
+          </p:cNvSpPr>
+          <p:nvPr>
+            <p:ph idx="1"/>
+          </p:nvPr>
+        </p:nvSpPr>
+        <p:spPr/>
+        <p:txBody>
+          <a:bodyPr>
+            <a:normAutofit/>
+          </a:bodyPr>
+          <a:lstStyle/>
+          <a:p>
+            <a:r>
+              <a:rPr lang="pl-PL" dirty="0" smtClean="0"/>
+              <a:t>PUT</a:t>
+            </a:r>
+          </a:p>
+          <a:p>
+            <a:pPr lvl="1">
+              <a:buFont typeface="Wingdings" panose="05000000000000000000" pitchFamily="2" charset="2"/>
+              <a:buChar char="§"/>
+            </a:pPr>
+            <a:r>
+              <a:rPr lang="pl-PL" dirty="0" smtClean="0"/>
+              <a:t>Idempotentna</a:t>
+            </a:r>
+          </a:p>
+          <a:p>
+            <a:pPr lvl="1">
+              <a:buFont typeface="Wingdings" panose="05000000000000000000" pitchFamily="2" charset="2"/>
+              <a:buChar char="§"/>
+            </a:pPr>
+            <a:r>
+              <a:rPr lang="pl-PL" dirty="0" smtClean="0"/>
+              <a:t>Używana do pełnej aktualizacji obiektu</a:t>
+            </a:r>
+          </a:p>
+          <a:p>
+            <a:pPr lvl="1">
+              <a:buFont typeface="Wingdings" panose="05000000000000000000" pitchFamily="2" charset="2"/>
+              <a:buChar char="§"/>
+            </a:pPr>
+            <a:r>
+              <a:rPr lang="pl-PL" dirty="0" smtClean="0"/>
+              <a:t>Można używać do tworzenia obiektu</a:t>
+            </a:r>
+            <a:endParaRPr lang="en-GB" dirty="0"/>
+          </a:p>
+        </p:txBody>
+      </p:sp>
+    </p:spTree>
+    <p:extLst>
+      <p:ext uri="{BB962C8B-B14F-4D97-AF65-F5344CB8AC3E}">
+        <p14:creationId xmlns:p14="http://schemas.microsoft.com/office/powerpoint/2010/main" val="907469189"/>
+      </p:ext>
+    </p:extLst>
+  </p:cSld>
+  <p:clrMapOvr>
+    <a:masterClrMapping/>
+  </p:clrMapOvr>
+  <p:timing>
+    <p:tnLst>
+      <p:par>
+        <p:cTn id="1" dur="indefinite" restart="never" nodeType="tmRoot"/>
+      </p:par>
+    </p:tnLst>
+  </p:timing>
+</p:sld>
+</file>
+
+<file path=ppt/slides/slide12.xml><?xml version="1.0" encoding="utf-8"?>
+<p:sld xmlns:a="http://schemas.openxmlformats.org/drawingml/2006/main" xmlns:r="http://schemas.openxmlformats.org/officeDocument/2006/relationships" xmlns:p="http://schemas.openxmlformats.org/presentationml/2006/main">
+  <p:cSld>
+    <p:spTree>
+      <p:nvGrpSpPr>
+        <p:cNvPr id="1" name=""/>
+        <p:cNvGrpSpPr/>
+        <p:nvPr/>
+      </p:nvGrpSpPr>
+      <p:grpSpPr>
+        <a:xfrm>
+          <a:off x="0" y="0"/>
+          <a:ext cx="0" cy="0"/>
+          <a:chOff x="0" y="0"/>
+          <a:chExt cx="0" cy="0"/>
+        </a:xfrm>
+      </p:grpSpPr>
+      <p:sp>
+        <p:nvSpPr>
+          <p:cNvPr id="2" name="Title 1"/>
+          <p:cNvSpPr>
+            <a:spLocks noGrp="1"/>
+          </p:cNvSpPr>
+          <p:nvPr>
+            <p:ph type="title"/>
+          </p:nvPr>
+        </p:nvSpPr>
+        <p:spPr/>
+        <p:txBody>
+          <a:bodyPr/>
+          <a:lstStyle/>
+          <a:p>
+            <a:r>
+              <a:rPr lang="pl-PL" dirty="0" smtClean="0"/>
+              <a:t>HTTP - metody</a:t>
+            </a:r>
+            <a:endParaRPr lang="en-GB" dirty="0"/>
+          </a:p>
+        </p:txBody>
+      </p:sp>
+      <p:sp>
+        <p:nvSpPr>
+          <p:cNvPr id="3" name="Content Placeholder 2"/>
+          <p:cNvSpPr>
+            <a:spLocks noGrp="1"/>
+          </p:cNvSpPr>
+          <p:nvPr>
+            <p:ph idx="1"/>
+          </p:nvPr>
+        </p:nvSpPr>
+        <p:spPr/>
+        <p:txBody>
+          <a:bodyPr>
+            <a:normAutofit/>
+          </a:bodyPr>
+          <a:lstStyle/>
+          <a:p>
+            <a:r>
+              <a:rPr lang="pl-PL" dirty="0" smtClean="0"/>
+              <a:t>PATCH</a:t>
+            </a:r>
+          </a:p>
+          <a:p>
+            <a:pPr lvl="1">
+              <a:buFont typeface="Wingdings" panose="05000000000000000000" pitchFamily="2" charset="2"/>
+              <a:buChar char="§"/>
+            </a:pPr>
+            <a:r>
+              <a:rPr lang="pl-PL" dirty="0" smtClean="0"/>
+              <a:t>Idempotentna</a:t>
+            </a:r>
+          </a:p>
+          <a:p>
+            <a:pPr lvl="1">
+              <a:buFont typeface="Wingdings" panose="05000000000000000000" pitchFamily="2" charset="2"/>
+              <a:buChar char="§"/>
+            </a:pPr>
+            <a:r>
+              <a:rPr lang="pl-PL" dirty="0" smtClean="0"/>
+              <a:t>Używana do częściowej aktualizacji obiektu</a:t>
+            </a:r>
+          </a:p>
+          <a:p>
+            <a:pPr lvl="1">
+              <a:buFont typeface="Wingdings" panose="05000000000000000000" pitchFamily="2" charset="2"/>
+              <a:buChar char="§"/>
+            </a:pPr>
+            <a:r>
+              <a:rPr lang="pl-PL" dirty="0" smtClean="0"/>
+              <a:t>Aktualizuje tylko pola przesłane w żądaniu</a:t>
+            </a:r>
+          </a:p>
+          <a:p>
+            <a:pPr marL="457200" lvl="1" indent="0">
+              <a:buNone/>
+            </a:pPr>
+            <a:endParaRPr lang="pl-PL" dirty="0" smtClean="0"/>
+          </a:p>
+        </p:txBody>
+      </p:sp>
+    </p:spTree>
+    <p:extLst>
+      <p:ext uri="{BB962C8B-B14F-4D97-AF65-F5344CB8AC3E}">
+        <p14:creationId xmlns:p14="http://schemas.microsoft.com/office/powerpoint/2010/main" val="2335005313"/>
+      </p:ext>
+    </p:extLst>
+  </p:cSld>
+  <p:clrMapOvr>
+    <a:masterClrMapping/>
+  </p:clrMapOvr>
+  <p:timing>
+    <p:tnLst>
+      <p:par>
+        <p:cTn id="1" dur="indefinite" restart="never" nodeType="tmRoot"/>
+      </p:par>
+    </p:tnLst>
+  </p:timing>
+</p:sld>
+</file>
+
+<file path=ppt/slides/slide13.xml><?xml version="1.0" encoding="utf-8"?>
+<p:sld xmlns:a="http://schemas.openxmlformats.org/drawingml/2006/main" xmlns:r="http://schemas.openxmlformats.org/officeDocument/2006/relationships" xmlns:p="http://schemas.openxmlformats.org/presentationml/2006/main">
+  <p:cSld>
+    <p:spTree>
+      <p:nvGrpSpPr>
+        <p:cNvPr id="1" name=""/>
+        <p:cNvGrpSpPr/>
+        <p:nvPr/>
+      </p:nvGrpSpPr>
+      <p:grpSpPr>
+        <a:xfrm>
+          <a:off x="0" y="0"/>
+          <a:ext cx="0" cy="0"/>
+          <a:chOff x="0" y="0"/>
+          <a:chExt cx="0" cy="0"/>
+        </a:xfrm>
+      </p:grpSpPr>
+      <p:sp>
+        <p:nvSpPr>
+          <p:cNvPr id="2" name="Title 1"/>
+          <p:cNvSpPr>
+            <a:spLocks noGrp="1"/>
+          </p:cNvSpPr>
+          <p:nvPr>
+            <p:ph type="title"/>
+          </p:nvPr>
+        </p:nvSpPr>
+        <p:spPr/>
+        <p:txBody>
+          <a:bodyPr/>
+          <a:lstStyle/>
+          <a:p>
+            <a:r>
+              <a:rPr lang="pl-PL" dirty="0" smtClean="0"/>
+              <a:t>HTTP - metody</a:t>
+            </a:r>
+            <a:endParaRPr lang="en-GB" dirty="0"/>
+          </a:p>
+        </p:txBody>
+      </p:sp>
+      <p:sp>
+        <p:nvSpPr>
+          <p:cNvPr id="3" name="Content Placeholder 2"/>
+          <p:cNvSpPr>
+            <a:spLocks noGrp="1"/>
+          </p:cNvSpPr>
+          <p:nvPr>
+            <p:ph idx="1"/>
+          </p:nvPr>
+        </p:nvSpPr>
+        <p:spPr/>
+        <p:txBody>
+          <a:bodyPr>
+            <a:normAutofit/>
+          </a:bodyPr>
+          <a:lstStyle/>
+          <a:p>
+            <a:r>
+              <a:rPr lang="pl-PL" dirty="0" smtClean="0"/>
+              <a:t>POST</a:t>
+            </a:r>
+          </a:p>
+          <a:p>
+            <a:pPr lvl="1">
+              <a:buFont typeface="Wingdings" panose="05000000000000000000" pitchFamily="2" charset="2"/>
+              <a:buChar char="§"/>
+            </a:pPr>
+            <a:r>
+              <a:rPr lang="pl-PL" dirty="0" smtClean="0">
+                <a:solidFill>
+                  <a:srgbClr val="FF0000"/>
+                </a:solidFill>
+              </a:rPr>
+              <a:t>Nie jest idempotentna!</a:t>
+            </a:r>
+          </a:p>
+          <a:p>
+            <a:pPr lvl="1">
+              <a:buFont typeface="Wingdings" panose="05000000000000000000" pitchFamily="2" charset="2"/>
+              <a:buChar char="§"/>
+            </a:pPr>
+            <a:r>
+              <a:rPr lang="pl-PL" dirty="0" smtClean="0"/>
+              <a:t>Używana do tworzenia obiektów</a:t>
+            </a:r>
+          </a:p>
+          <a:p>
+            <a:pPr lvl="1">
+              <a:buFont typeface="Wingdings" panose="05000000000000000000" pitchFamily="2" charset="2"/>
+              <a:buChar char="§"/>
+            </a:pPr>
+            <a:r>
+              <a:rPr lang="pl-PL" dirty="0" smtClean="0"/>
+              <a:t>Zawartość obiektu przekazywana jest w body</a:t>
+            </a:r>
+          </a:p>
+        </p:txBody>
+      </p:sp>
+    </p:spTree>
+    <p:extLst>
+      <p:ext uri="{BB962C8B-B14F-4D97-AF65-F5344CB8AC3E}">
+        <p14:creationId xmlns:p14="http://schemas.microsoft.com/office/powerpoint/2010/main" val="3007596169"/>
+      </p:ext>
+    </p:extLst>
+  </p:cSld>
+  <p:clrMapOvr>
+    <a:masterClrMapping/>
+  </p:clrMapOvr>
+  <p:timing>
+    <p:tnLst>
+      <p:par>
+        <p:cTn id="1" dur="indefinite" restart="never" nodeType="tmRoot"/>
+      </p:par>
+    </p:tnLst>
+  </p:timing>
+</p:sld>
+</file>
+
+<file path=ppt/slides/slide14.xml><?xml version="1.0" encoding="utf-8"?>
+<p:sld xmlns:a="http://schemas.openxmlformats.org/drawingml/2006/main" xmlns:r="http://schemas.openxmlformats.org/officeDocument/2006/relationships" xmlns:p="http://schemas.openxmlformats.org/presentationml/2006/main">
+  <p:cSld>
+    <p:spTree>
+      <p:nvGrpSpPr>
+        <p:cNvPr id="1" name=""/>
+        <p:cNvGrpSpPr/>
+        <p:nvPr/>
+      </p:nvGrpSpPr>
+      <p:grpSpPr>
+        <a:xfrm>
+          <a:off x="0" y="0"/>
+          <a:ext cx="0" cy="0"/>
+          <a:chOff x="0" y="0"/>
+          <a:chExt cx="0" cy="0"/>
+        </a:xfrm>
+      </p:grpSpPr>
+      <p:sp>
+        <p:nvSpPr>
+          <p:cNvPr id="2" name="Title 1"/>
+          <p:cNvSpPr>
+            <a:spLocks noGrp="1"/>
+          </p:cNvSpPr>
+          <p:nvPr>
+            <p:ph type="title"/>
+          </p:nvPr>
+        </p:nvSpPr>
+        <p:spPr/>
+        <p:txBody>
+          <a:bodyPr/>
+          <a:lstStyle/>
+          <a:p>
+            <a:r>
+              <a:rPr lang="pl-PL" dirty="0" smtClean="0"/>
+              <a:t>HTTP - metody</a:t>
+            </a:r>
+            <a:endParaRPr lang="en-GB" dirty="0"/>
+          </a:p>
+        </p:txBody>
+      </p:sp>
+      <p:sp>
+        <p:nvSpPr>
+          <p:cNvPr id="3" name="Content Placeholder 2"/>
+          <p:cNvSpPr>
+            <a:spLocks noGrp="1"/>
+          </p:cNvSpPr>
+          <p:nvPr>
+            <p:ph idx="1"/>
+          </p:nvPr>
+        </p:nvSpPr>
+        <p:spPr/>
+        <p:txBody>
+          <a:bodyPr>
+            <a:normAutofit/>
+          </a:bodyPr>
+          <a:lstStyle/>
+          <a:p>
+            <a:r>
+              <a:rPr lang="pl-PL" dirty="0" smtClean="0"/>
+              <a:t>DELETE</a:t>
+            </a:r>
+          </a:p>
+          <a:p>
+            <a:pPr lvl="1">
+              <a:buFont typeface="Wingdings" panose="05000000000000000000" pitchFamily="2" charset="2"/>
+              <a:buChar char="§"/>
+            </a:pPr>
+            <a:r>
+              <a:rPr lang="pl-PL" dirty="0" smtClean="0"/>
+              <a:t>Idempotentna </a:t>
+            </a:r>
+          </a:p>
+          <a:p>
+            <a:pPr lvl="1">
+              <a:buFont typeface="Wingdings" panose="05000000000000000000" pitchFamily="2" charset="2"/>
+              <a:buChar char="§"/>
+            </a:pPr>
+            <a:r>
+              <a:rPr lang="pl-PL" dirty="0" smtClean="0"/>
+              <a:t>Używana do usuwania obiektów</a:t>
+            </a:r>
+          </a:p>
+        </p:txBody>
+      </p:sp>
+    </p:spTree>
+    <p:extLst>
+      <p:ext uri="{BB962C8B-B14F-4D97-AF65-F5344CB8AC3E}">
+        <p14:creationId xmlns:p14="http://schemas.microsoft.com/office/powerpoint/2010/main" val="4203426916"/>
+      </p:ext>
+    </p:extLst>
+  </p:cSld>
+  <p:clrMapOvr>
+    <a:masterClrMapping/>
+  </p:clrMapOvr>
+  <p:timing>
+    <p:tnLst>
+      <p:par>
+        <p:cTn id="1" dur="indefinite" restart="never" nodeType="tmRoot"/>
+      </p:par>
+    </p:tnLst>
+  </p:timing>
+</p:sld>
+</file>
+
+<file path=ppt/slides/slide15.xml><?xml version="1.0" encoding="utf-8"?>
+<p:sld xmlns:a="http://schemas.openxmlformats.org/drawingml/2006/main" xmlns:r="http://schemas.openxmlformats.org/officeDocument/2006/relationships" xmlns:p="http://schemas.openxmlformats.org/presentationml/2006/main">
+  <p:cSld>
+    <p:spTree>
+      <p:nvGrpSpPr>
+        <p:cNvPr id="1" name=""/>
+        <p:cNvGrpSpPr/>
+        <p:nvPr/>
+      </p:nvGrpSpPr>
+      <p:grpSpPr>
+        <a:xfrm>
+          <a:off x="0" y="0"/>
+          <a:ext cx="0" cy="0"/>
+          <a:chOff x="0" y="0"/>
+          <a:chExt cx="0" cy="0"/>
+        </a:xfrm>
+      </p:grpSpPr>
+      <p:sp>
+        <p:nvSpPr>
+          <p:cNvPr id="2" name="Title 1"/>
+          <p:cNvSpPr>
+            <a:spLocks noGrp="1"/>
+          </p:cNvSpPr>
+          <p:nvPr>
+            <p:ph type="title"/>
+          </p:nvPr>
+        </p:nvSpPr>
+        <p:spPr/>
+        <p:txBody>
+          <a:bodyPr/>
+          <a:lstStyle/>
+          <a:p>
+            <a:r>
+              <a:rPr lang="pl-PL" dirty="0" smtClean="0"/>
+              <a:t>HTTP – pozostałe metody</a:t>
+            </a:r>
+            <a:endParaRPr lang="en-GB" dirty="0"/>
+          </a:p>
+        </p:txBody>
+      </p:sp>
+      <p:sp>
+        <p:nvSpPr>
+          <p:cNvPr id="3" name="Content Placeholder 2"/>
+          <p:cNvSpPr>
+            <a:spLocks noGrp="1"/>
+          </p:cNvSpPr>
+          <p:nvPr>
+            <p:ph idx="1"/>
+          </p:nvPr>
+        </p:nvSpPr>
+        <p:spPr/>
+        <p:txBody>
+          <a:bodyPr/>
+          <a:lstStyle/>
+          <a:p>
+            <a:r>
+              <a:rPr lang="pl-PL" dirty="0" smtClean="0"/>
+              <a:t>OPTIONS</a:t>
+            </a:r>
+          </a:p>
+          <a:p>
+            <a:r>
+              <a:rPr lang="pl-PL" dirty="0" smtClean="0"/>
+              <a:t>HEAD</a:t>
+            </a:r>
+          </a:p>
+          <a:p>
+            <a:r>
+              <a:rPr lang="pl-PL" dirty="0" smtClean="0"/>
+              <a:t>CONNECT</a:t>
+            </a:r>
+          </a:p>
+          <a:p>
+            <a:r>
+              <a:rPr lang="pl-PL" dirty="0" smtClean="0"/>
+              <a:t>TRACE</a:t>
+            </a:r>
+            <a:endParaRPr lang="en-GB" dirty="0"/>
+          </a:p>
+        </p:txBody>
+      </p:sp>
+    </p:spTree>
+    <p:extLst>
+      <p:ext uri="{BB962C8B-B14F-4D97-AF65-F5344CB8AC3E}">
+        <p14:creationId xmlns:p14="http://schemas.microsoft.com/office/powerpoint/2010/main" val="3492050975"/>
+      </p:ext>
+    </p:extLst>
+  </p:cSld>
+  <p:clrMapOvr>
+    <a:masterClrMapping/>
+  </p:clrMapOvr>
+  <p:timing>
+    <p:tnLst>
+      <p:par>
+        <p:cTn id="1" dur="indefinite" restart="never" nodeType="tmRoot"/>
+      </p:par>
+    </p:tnLst>
+  </p:timing>
+</p:sld>
+</file>
+
+<file path=ppt/slides/slide16.xml><?xml version="1.0" encoding="utf-8"?>
+<p:sld xmlns:a="http://schemas.openxmlformats.org/drawingml/2006/main" xmlns:r="http://schemas.openxmlformats.org/officeDocument/2006/relationships" xmlns:p="http://schemas.openxmlformats.org/presentationml/2006/main">
+  <p:cSld>
+    <p:spTree>
+      <p:nvGrpSpPr>
+        <p:cNvPr id="1" name=""/>
+        <p:cNvGrpSpPr/>
+        <p:nvPr/>
+      </p:nvGrpSpPr>
+      <p:grpSpPr>
+        <a:xfrm>
+          <a:off x="0" y="0"/>
+          <a:ext cx="0" cy="0"/>
+          <a:chOff x="0" y="0"/>
+          <a:chExt cx="0" cy="0"/>
+        </a:xfrm>
+      </p:grpSpPr>
+      <p:sp>
+        <p:nvSpPr>
+          <p:cNvPr id="2" name="Title 1"/>
+          <p:cNvSpPr>
+            <a:spLocks noGrp="1"/>
+          </p:cNvSpPr>
+          <p:nvPr>
+            <p:ph type="title"/>
+          </p:nvPr>
+        </p:nvSpPr>
+        <p:spPr/>
+        <p:txBody>
+          <a:bodyPr/>
+          <a:lstStyle/>
+          <a:p>
+            <a:r>
+              <a:rPr lang="pl-PL" dirty="0" smtClean="0"/>
+              <a:t>REST – Zalety i wady stosowania</a:t>
+            </a:r>
+            <a:endParaRPr lang="en-GB" dirty="0"/>
+          </a:p>
+        </p:txBody>
+      </p:sp>
+      <p:sp>
+        <p:nvSpPr>
+          <p:cNvPr id="4" name="Text Placeholder 3"/>
+          <p:cNvSpPr>
+            <a:spLocks noGrp="1"/>
+          </p:cNvSpPr>
+          <p:nvPr>
+            <p:ph type="body" idx="1"/>
+          </p:nvPr>
+        </p:nvSpPr>
+        <p:spPr/>
+        <p:txBody>
+          <a:bodyPr/>
+          <a:lstStyle/>
+          <a:p>
+            <a:r>
+              <a:rPr lang="pl-PL" dirty="0" smtClean="0"/>
+              <a:t>Zalety</a:t>
+            </a:r>
+            <a:endParaRPr lang="en-GB" dirty="0"/>
+          </a:p>
+        </p:txBody>
+      </p:sp>
+      <p:sp>
+        <p:nvSpPr>
+          <p:cNvPr id="5" name="Content Placeholder 4"/>
+          <p:cNvSpPr>
+            <a:spLocks noGrp="1"/>
+          </p:cNvSpPr>
+          <p:nvPr>
+            <p:ph sz="half" idx="2"/>
+          </p:nvPr>
+        </p:nvSpPr>
+        <p:spPr/>
+        <p:txBody>
+          <a:bodyPr/>
+          <a:lstStyle/>
+          <a:p>
+            <a:r>
+              <a:rPr lang="pl-PL" dirty="0" smtClean="0"/>
+              <a:t>Interakcja oparta na konstrukcji znanej z HTTP</a:t>
+            </a:r>
+          </a:p>
+          <a:p>
+            <a:r>
+              <a:rPr lang="pl-PL" dirty="0" smtClean="0"/>
+              <a:t>Szyfrowanie i integralność danych oparta na protokołach SSL i TLS</a:t>
+            </a:r>
+          </a:p>
+          <a:p>
+            <a:r>
+              <a:rPr lang="pl-PL" dirty="0" smtClean="0"/>
+              <a:t>Niezależne od języka programowania</a:t>
+            </a:r>
+          </a:p>
+          <a:p>
+            <a:endParaRPr lang="pl-PL" dirty="0" smtClean="0"/>
+          </a:p>
+          <a:p>
+            <a:endParaRPr lang="en-GB" dirty="0"/>
+          </a:p>
+        </p:txBody>
+      </p:sp>
+      <p:sp>
+        <p:nvSpPr>
+          <p:cNvPr id="6" name="Text Placeholder 5"/>
+          <p:cNvSpPr>
+            <a:spLocks noGrp="1"/>
+          </p:cNvSpPr>
+          <p:nvPr>
+            <p:ph type="body" sz="quarter" idx="3"/>
+          </p:nvPr>
+        </p:nvSpPr>
+        <p:spPr/>
+        <p:txBody>
+          <a:bodyPr/>
+          <a:lstStyle/>
+          <a:p>
+            <a:r>
+              <a:rPr lang="pl-PL" dirty="0" smtClean="0"/>
+              <a:t>Wady</a:t>
+            </a:r>
+            <a:endParaRPr lang="en-GB" dirty="0"/>
+          </a:p>
+        </p:txBody>
+      </p:sp>
+      <p:sp>
+        <p:nvSpPr>
+          <p:cNvPr id="7" name="Content Placeholder 6"/>
+          <p:cNvSpPr>
+            <a:spLocks noGrp="1"/>
+          </p:cNvSpPr>
+          <p:nvPr>
+            <p:ph sz="quarter" idx="4"/>
+          </p:nvPr>
+        </p:nvSpPr>
+        <p:spPr/>
+        <p:txBody>
+          <a:bodyPr/>
+          <a:lstStyle/>
+          <a:p>
+            <a:r>
+              <a:rPr lang="pl-PL" dirty="0" smtClean="0"/>
+              <a:t>Aplikacje muszą być bezstanowe (ograniczenie wynikające z HTTP)</a:t>
+            </a:r>
+          </a:p>
+          <a:p>
+            <a:r>
+              <a:rPr lang="pl-PL" dirty="0" smtClean="0"/>
+              <a:t>Wszelkie zadania związane z zarządzaniem stanem muszą być wykonywane przez klienta</a:t>
+            </a:r>
+          </a:p>
+          <a:p>
+            <a:r>
+              <a:rPr lang="pl-PL" dirty="0" smtClean="0"/>
+              <a:t>Brak mechanizmów push notification (server -&gt; client)</a:t>
+            </a:r>
+            <a:endParaRPr lang="en-GB" dirty="0"/>
+          </a:p>
+        </p:txBody>
+      </p:sp>
+    </p:spTree>
+    <p:extLst>
+      <p:ext uri="{BB962C8B-B14F-4D97-AF65-F5344CB8AC3E}">
+        <p14:creationId xmlns:p14="http://schemas.microsoft.com/office/powerpoint/2010/main" val="206531892"/>
+      </p:ext>
+    </p:extLst>
+  </p:cSld>
+  <p:clrMapOvr>
+    <a:masterClrMapping/>
+  </p:clrMapOvr>
+</p:sld>
+</file>
+
+<file path=ppt/slides/slide17.xml><?xml version="1.0" encoding="utf-8"?>
+<p:sld xmlns:a="http://schemas.openxmlformats.org/drawingml/2006/main" xmlns:r="http://schemas.openxmlformats.org/officeDocument/2006/relationships" xmlns:p="http://schemas.openxmlformats.org/presentationml/2006/main">
+  <p:cSld>
+    <p:spTree>
+      <p:nvGrpSpPr>
+        <p:cNvPr id="1" name=""/>
+        <p:cNvGrpSpPr/>
+        <p:nvPr/>
+      </p:nvGrpSpPr>
+      <p:grpSpPr>
+        <a:xfrm>
+          <a:off x="0" y="0"/>
+          <a:ext cx="0" cy="0"/>
+          <a:chOff x="0" y="0"/>
+          <a:chExt cx="0" cy="0"/>
+        </a:xfrm>
+      </p:grpSpPr>
+      <p:pic>
+        <p:nvPicPr>
+          <p:cNvPr id="4" name="Content Placeholder 3"/>
+          <p:cNvPicPr>
+            <a:picLocks noGrp="1" noChangeAspect="1"/>
+          </p:cNvPicPr>
+          <p:nvPr>
+            <p:ph idx="1"/>
+          </p:nvPr>
+        </p:nvPicPr>
+        <p:blipFill>
+          <a:blip r:embed="rId2">
+            <a:extLst>
+              <a:ext uri="{28A0092B-C50C-407E-A947-70E740481C1C}">
+                <a14:useLocalDpi xmlns:a14="http://schemas.microsoft.com/office/drawing/2010/main" val="0"/>
+              </a:ext>
+            </a:extLst>
+          </a:blip>
+          <a:stretch>
+            <a:fillRect/>
+          </a:stretch>
+        </p:blipFill>
+        <p:spPr>
+          <a:xfrm>
+            <a:off x="683568" y="1268760"/>
+            <a:ext cx="7883191" cy="5282174"/>
+          </a:xfrm>
+        </p:spPr>
+      </p:pic>
+      <p:sp>
+        <p:nvSpPr>
+          <p:cNvPr id="2" name="Title 1"/>
+          <p:cNvSpPr>
+            <a:spLocks noGrp="1"/>
+          </p:cNvSpPr>
+          <p:nvPr>
+            <p:ph type="title"/>
+          </p:nvPr>
+        </p:nvSpPr>
+        <p:spPr/>
+        <p:txBody>
+          <a:bodyPr>
+            <a:normAutofit fontScale="90000"/>
+          </a:bodyPr>
+          <a:lstStyle/>
+          <a:p>
+            <a:r>
+              <a:rPr lang="pl-PL" dirty="0" smtClean="0"/>
+              <a:t>REST - Model dojrzałości Richardsona</a:t>
+            </a:r>
+            <a:endParaRPr lang="en-GB" dirty="0"/>
+          </a:p>
+        </p:txBody>
+      </p:sp>
+    </p:spTree>
+    <p:extLst>
+      <p:ext uri="{BB962C8B-B14F-4D97-AF65-F5344CB8AC3E}">
+        <p14:creationId xmlns:p14="http://schemas.microsoft.com/office/powerpoint/2010/main" val="3019921870"/>
+      </p:ext>
+    </p:extLst>
+  </p:cSld>
+  <p:clrMapOvr>
+    <a:masterClrMapping/>
+  </p:clrMapOvr>
+  <p:timing>
+    <p:tnLst>
+      <p:par>
+        <p:cTn id="1" dur="indefinite" restart="never" nodeType="tmRoot"/>
+      </p:par>
+    </p:tnLst>
+  </p:timing>
+</p:sld>
+</file>
+
+<file path=ppt/slides/slide18.xml><?xml version="1.0" encoding="utf-8"?>
+<p:sld xmlns:a="http://schemas.openxmlformats.org/drawingml/2006/main" xmlns:r="http://schemas.openxmlformats.org/officeDocument/2006/relationships" xmlns:p="http://schemas.openxmlformats.org/presentationml/2006/main">
+  <p:cSld>
+    <p:spTree>
+      <p:nvGrpSpPr>
+        <p:cNvPr id="1" name=""/>
+        <p:cNvGrpSpPr/>
+        <p:nvPr/>
+      </p:nvGrpSpPr>
+      <p:grpSpPr>
+        <a:xfrm>
+          <a:off x="0" y="0"/>
+          <a:ext cx="0" cy="0"/>
+          <a:chOff x="0" y="0"/>
+          <a:chExt cx="0" cy="0"/>
+        </a:xfrm>
+      </p:grpSpPr>
+      <p:sp>
+        <p:nvSpPr>
+          <p:cNvPr id="2" name="Title 1"/>
+          <p:cNvSpPr>
+            <a:spLocks noGrp="1"/>
+          </p:cNvSpPr>
+          <p:nvPr>
+            <p:ph type="title"/>
+          </p:nvPr>
+        </p:nvSpPr>
+        <p:spPr/>
+        <p:txBody>
+          <a:bodyPr/>
+          <a:lstStyle/>
+          <a:p>
+            <a:r>
+              <a:rPr lang="pl-PL" dirty="0" smtClean="0"/>
+              <a:t>REST – Java + IO</a:t>
+            </a:r>
+            <a:endParaRPr lang="en-GB" dirty="0"/>
+          </a:p>
+        </p:txBody>
+      </p:sp>
+      <p:sp>
+        <p:nvSpPr>
+          <p:cNvPr id="3" name="Content Placeholder 2"/>
+          <p:cNvSpPr>
+            <a:spLocks noGrp="1"/>
+          </p:cNvSpPr>
+          <p:nvPr>
+            <p:ph idx="1"/>
+          </p:nvPr>
+        </p:nvSpPr>
+        <p:spPr/>
+        <p:txBody>
+          <a:bodyPr>
+            <a:normAutofit lnSpcReduction="10000"/>
+          </a:bodyPr>
+          <a:lstStyle/>
+          <a:p>
+            <a:pPr marL="514350" indent="-514350">
+              <a:buFont typeface="+mj-lt"/>
+              <a:buAutoNum type="arabicPeriod"/>
+            </a:pPr>
+            <a:r>
+              <a:rPr lang="pl-PL" dirty="0" smtClean="0"/>
+              <a:t>Utwórz URL</a:t>
+            </a:r>
+          </a:p>
+          <a:p>
+            <a:pPr marL="514350" indent="-514350">
+              <a:buFont typeface="+mj-lt"/>
+              <a:buAutoNum type="arabicPeriod"/>
+            </a:pPr>
+            <a:r>
+              <a:rPr lang="pl-PL" dirty="0" smtClean="0"/>
+              <a:t>Otwórz połączenie HttpUrlConnection</a:t>
+            </a:r>
+          </a:p>
+          <a:p>
+            <a:pPr marL="514350" indent="-514350">
+              <a:buFont typeface="+mj-lt"/>
+              <a:buAutoNum type="arabicPeriod"/>
+            </a:pPr>
+            <a:r>
+              <a:rPr lang="pl-PL" dirty="0" smtClean="0"/>
+              <a:t>Skonfiguruj request</a:t>
+            </a:r>
+          </a:p>
+          <a:p>
+            <a:pPr marL="914400" lvl="1" indent="-514350">
+              <a:buFont typeface="+mj-lt"/>
+              <a:buAutoNum type="arabicPeriod"/>
+            </a:pPr>
+            <a:r>
+              <a:rPr lang="pl-PL" dirty="0" smtClean="0"/>
+              <a:t>Nagłówki</a:t>
+            </a:r>
+          </a:p>
+          <a:p>
+            <a:pPr marL="914400" lvl="1" indent="-514350">
+              <a:buFont typeface="+mj-lt"/>
+              <a:buAutoNum type="arabicPeriod"/>
+            </a:pPr>
+            <a:r>
+              <a:rPr lang="pl-PL" dirty="0" smtClean="0"/>
+              <a:t>Zawartość (w przypadku POST, PUT)</a:t>
+            </a:r>
+          </a:p>
+          <a:p>
+            <a:pPr marL="514350" indent="-514350">
+              <a:buFont typeface="+mj-lt"/>
+              <a:buAutoNum type="arabicPeriod"/>
+            </a:pPr>
+            <a:r>
+              <a:rPr lang="pl-PL" dirty="0" smtClean="0"/>
+              <a:t>Otwórz InputStream z połączenia</a:t>
+            </a:r>
+          </a:p>
+          <a:p>
+            <a:pPr marL="514350" indent="-514350">
+              <a:buFont typeface="+mj-lt"/>
+              <a:buAutoNum type="arabicPeriod"/>
+            </a:pPr>
+            <a:r>
+              <a:rPr lang="pl-PL" dirty="0" smtClean="0"/>
+              <a:t>Pobierz całą zawartość response</a:t>
+            </a:r>
+          </a:p>
+          <a:p>
+            <a:pPr marL="514350" indent="-514350">
+              <a:buFont typeface="+mj-lt"/>
+              <a:buAutoNum type="arabicPeriod"/>
+            </a:pPr>
+            <a:r>
+              <a:rPr lang="pl-PL" dirty="0" smtClean="0"/>
+              <a:t>Zamknij połączenie</a:t>
+            </a:r>
+          </a:p>
+          <a:p>
+            <a:pPr marL="514350" indent="-514350">
+              <a:buFont typeface="+mj-lt"/>
+              <a:buAutoNum type="arabicPeriod"/>
+            </a:pPr>
+            <a:endParaRPr lang="en-GB" dirty="0"/>
+          </a:p>
+        </p:txBody>
+      </p:sp>
+    </p:spTree>
+    <p:extLst>
+      <p:ext uri="{BB962C8B-B14F-4D97-AF65-F5344CB8AC3E}">
+        <p14:creationId xmlns:p14="http://schemas.microsoft.com/office/powerpoint/2010/main" val="1961696698"/>
+      </p:ext>
+    </p:extLst>
+  </p:cSld>
+  <p:clrMapOvr>
+    <a:masterClrMapping/>
+  </p:clrMapOvr>
+</p:sld>
+</file>
+
+<file path=ppt/slides/slide19.xml><?xml version="1.0" encoding="utf-8"?>
+<p:sld xmlns:a="http://schemas.openxmlformats.org/drawingml/2006/main" xmlns:r="http://schemas.openxmlformats.org/officeDocument/2006/relationships" xmlns:p="http://schemas.openxmlformats.org/presentationml/2006/main">
+  <p:cSld>
+    <p:spTree>
+      <p:nvGrpSpPr>
+        <p:cNvPr id="1" name=""/>
+        <p:cNvGrpSpPr/>
+        <p:nvPr/>
+      </p:nvGrpSpPr>
+      <p:grpSpPr>
+        <a:xfrm>
+          <a:off x="0" y="0"/>
+          <a:ext cx="0" cy="0"/>
+          <a:chOff x="0" y="0"/>
+          <a:chExt cx="0" cy="0"/>
+        </a:xfrm>
+      </p:grpSpPr>
+      <p:sp>
+        <p:nvSpPr>
+          <p:cNvPr id="2" name="Title 1"/>
+          <p:cNvSpPr>
+            <a:spLocks noGrp="1"/>
+          </p:cNvSpPr>
+          <p:nvPr>
+            <p:ph type="title"/>
+          </p:nvPr>
+        </p:nvSpPr>
+        <p:spPr/>
+        <p:txBody>
+          <a:bodyPr/>
+          <a:lstStyle/>
+          <a:p>
+            <a:r>
+              <a:rPr lang="pl-PL" dirty="0" smtClean="0"/>
+              <a:t>REST – Java + IO</a:t>
+            </a:r>
+            <a:endParaRPr lang="en-GB" dirty="0"/>
+          </a:p>
+        </p:txBody>
+      </p:sp>
+      <p:pic>
+        <p:nvPicPr>
+          <p:cNvPr id="5122" name="Picture 2"/>
+          <p:cNvPicPr>
+            <a:picLocks noGrp="1" noChangeAspect="1" noChangeArrowheads="1"/>
+          </p:cNvPicPr>
+          <p:nvPr>
+            <p:ph idx="1"/>
+          </p:nvPr>
+        </p:nvPicPr>
+        <p:blipFill>
+          <a:blip r:embed="rId2">
+            <a:extLst>
+              <a:ext uri="{28A0092B-C50C-407E-A947-70E740481C1C}">
+                <a14:useLocalDpi xmlns:a14="http://schemas.microsoft.com/office/drawing/2010/main" val="0"/>
+              </a:ext>
+            </a:extLst>
+          </a:blip>
+          <a:srcRect/>
+          <a:stretch>
+            <a:fillRect/>
+          </a:stretch>
+        </p:blipFill>
+        <p:spPr bwMode="auto">
+          <a:xfrm>
+            <a:off x="611560" y="1268760"/>
+            <a:ext cx="5377011" cy="5137549"/>
+          </a:xfrm>
+          <a:prstGeom prst="rect">
+            <a:avLst/>
+          </a:prstGeom>
+          <a:noFill/>
+          <a:ln>
+            <a:noFill/>
+          </a:ln>
+          <a:extLst>
+            <a:ext uri="{909E8E84-426E-40DD-AFC4-6F175D3DCCD1}">
+              <a14:hiddenFill xmlns:a14="http://schemas.microsoft.com/office/drawing/2010/main">
+                <a:solidFill>
+                  <a:schemeClr val="accent1"/>
+                </a:solidFill>
+              </a14:hiddenFill>
+            </a:ext>
+            <a:ext uri="{91240B29-F687-4F45-9708-019B960494DF}">
+              <a14:hiddenLine xmlns:a14="http://schemas.microsoft.com/office/drawing/2010/main" w="9525">
+                <a:solidFill>
+                  <a:schemeClr val="tx1"/>
+                </a:solidFill>
+                <a:miter lim="800000"/>
+                <a:headEnd/>
+                <a:tailEnd/>
+              </a14:hiddenLine>
+            </a:ext>
+          </a:extLst>
+        </p:spPr>
+      </p:pic>
+    </p:spTree>
+    <p:extLst>
+      <p:ext uri="{BB962C8B-B14F-4D97-AF65-F5344CB8AC3E}">
+        <p14:creationId xmlns:p14="http://schemas.microsoft.com/office/powerpoint/2010/main" val="4049419710"/>
+      </p:ext>
+    </p:extLst>
+  </p:cSld>
+  <p:clrMapOvr>
+    <a:masterClrMapping/>
+  </p:clrMapOvr>
+</p:sld>
+</file>
+
+<file path=ppt/slides/slide2.xml><?xml version="1.0" encoding="utf-8"?>
+<p:sld xmlns:a="http://schemas.openxmlformats.org/drawingml/2006/main" xmlns:r="http://schemas.openxmlformats.org/officeDocument/2006/relationships" xmlns:p="http://schemas.openxmlformats.org/presentationml/2006/main">
+  <p:cSld>
+    <p:spTree>
+      <p:nvGrpSpPr>
+        <p:cNvPr id="1" name=""/>
+        <p:cNvGrpSpPr/>
+        <p:nvPr/>
+      </p:nvGrpSpPr>
+      <p:grpSpPr>
+        <a:xfrm>
+          <a:off x="0" y="0"/>
+          <a:ext cx="0" cy="0"/>
+          <a:chOff x="0" y="0"/>
+          <a:chExt cx="0" cy="0"/>
+        </a:xfrm>
+      </p:grpSpPr>
+      <p:sp>
+        <p:nvSpPr>
+          <p:cNvPr id="2" name="Title 1"/>
+          <p:cNvSpPr>
+            <a:spLocks noGrp="1"/>
+          </p:cNvSpPr>
+          <p:nvPr>
+            <p:ph type="title"/>
+          </p:nvPr>
+        </p:nvSpPr>
+        <p:spPr/>
+        <p:txBody>
+          <a:bodyPr/>
+          <a:lstStyle/>
+          <a:p>
+            <a:r>
+              <a:rPr lang="pl-PL" dirty="0" smtClean="0"/>
+              <a:t>Agenda</a:t>
+            </a:r>
+            <a:endParaRPr lang="en-GB" dirty="0"/>
+          </a:p>
+        </p:txBody>
+      </p:sp>
+      <p:sp>
+        <p:nvSpPr>
+          <p:cNvPr id="3" name="Content Placeholder 2"/>
+          <p:cNvSpPr>
+            <a:spLocks noGrp="1"/>
+          </p:cNvSpPr>
+          <p:nvPr>
+            <p:ph idx="1"/>
+          </p:nvPr>
+        </p:nvSpPr>
+        <p:spPr/>
+        <p:txBody>
+          <a:bodyPr/>
+          <a:lstStyle/>
+          <a:p>
+            <a:r>
+              <a:rPr lang="pl-PL" dirty="0" smtClean="0"/>
+              <a:t>REST API</a:t>
+            </a:r>
+          </a:p>
+          <a:p>
+            <a:r>
+              <a:rPr lang="pl-PL" dirty="0" smtClean="0"/>
+              <a:t>Protokół HTTP</a:t>
+            </a:r>
+          </a:p>
+          <a:p>
+            <a:r>
+              <a:rPr lang="pl-PL" dirty="0" smtClean="0"/>
+              <a:t>Implementacja REST w Javie</a:t>
+            </a:r>
+            <a:endParaRPr lang="pl-PL" dirty="0" smtClean="0"/>
+          </a:p>
+          <a:p>
+            <a:r>
+              <a:rPr lang="pl-PL" dirty="0" smtClean="0"/>
+              <a:t>Dobre praktyki programistyczne</a:t>
+            </a:r>
+            <a:endParaRPr lang="en-GB" dirty="0"/>
+          </a:p>
+        </p:txBody>
+      </p:sp>
+    </p:spTree>
+    <p:extLst>
+      <p:ext uri="{BB962C8B-B14F-4D97-AF65-F5344CB8AC3E}">
+        <p14:creationId xmlns:p14="http://schemas.microsoft.com/office/powerpoint/2010/main" val="1434819400"/>
+      </p:ext>
+    </p:extLst>
+  </p:cSld>
+  <p:clrMapOvr>
+    <a:masterClrMapping/>
+  </p:clrMapOvr>
+  <p:timing>
+    <p:tnLst>
+      <p:par>
+        <p:cTn id="1" dur="indefinite" restart="never" nodeType="tmRoot"/>
+      </p:par>
+    </p:tnLst>
+  </p:timing>
+</p:sld>
+</file>
+
+<file path=ppt/slides/slide20.xml><?xml version="1.0" encoding="utf-8"?>
+<p:sld xmlns:a="http://schemas.openxmlformats.org/drawingml/2006/main" xmlns:r="http://schemas.openxmlformats.org/officeDocument/2006/relationships" xmlns:p="http://schemas.openxmlformats.org/presentationml/2006/main">
+  <p:cSld>
+    <p:spTree>
+      <p:nvGrpSpPr>
+        <p:cNvPr id="1" name=""/>
+        <p:cNvGrpSpPr/>
+        <p:nvPr/>
+      </p:nvGrpSpPr>
+      <p:grpSpPr>
+        <a:xfrm>
+          <a:off x="0" y="0"/>
+          <a:ext cx="0" cy="0"/>
+          <a:chOff x="0" y="0"/>
+          <a:chExt cx="0" cy="0"/>
+        </a:xfrm>
+      </p:grpSpPr>
+      <p:sp>
+        <p:nvSpPr>
+          <p:cNvPr id="2" name="Title 1"/>
+          <p:cNvSpPr>
+            <a:spLocks noGrp="1"/>
+          </p:cNvSpPr>
+          <p:nvPr>
+            <p:ph type="title"/>
+          </p:nvPr>
+        </p:nvSpPr>
+        <p:spPr/>
+        <p:txBody>
+          <a:bodyPr/>
+          <a:lstStyle/>
+          <a:p>
+            <a:r>
+              <a:rPr lang="pl-PL" dirty="0" smtClean="0"/>
+              <a:t>REST – Java + RestTemplate</a:t>
+            </a:r>
+            <a:endParaRPr lang="en-GB" dirty="0"/>
+          </a:p>
+        </p:txBody>
+      </p:sp>
+      <p:sp>
+        <p:nvSpPr>
+          <p:cNvPr id="4" name="Content Placeholder 3"/>
+          <p:cNvSpPr>
+            <a:spLocks noGrp="1"/>
+          </p:cNvSpPr>
+          <p:nvPr>
+            <p:ph idx="1"/>
+          </p:nvPr>
+        </p:nvSpPr>
+        <p:spPr/>
+        <p:txBody>
+          <a:bodyPr/>
+          <a:lstStyle/>
+          <a:p>
+            <a:pPr marL="514350" indent="-514350">
+              <a:buFont typeface="+mj-lt"/>
+              <a:buAutoNum type="arabicPeriod"/>
+            </a:pPr>
+            <a:r>
+              <a:rPr lang="pl-PL" dirty="0" smtClean="0"/>
+              <a:t>Utwórz konfigurację</a:t>
+            </a:r>
+          </a:p>
+          <a:p>
+            <a:pPr marL="514350" indent="-514350">
+              <a:buFont typeface="+mj-lt"/>
+              <a:buAutoNum type="arabicPeriod"/>
+            </a:pPr>
+            <a:r>
+              <a:rPr lang="pl-PL" dirty="0" smtClean="0"/>
+              <a:t>Utwórz obiekt RestTemplate</a:t>
+            </a:r>
+          </a:p>
+          <a:p>
+            <a:pPr marL="514350" indent="-514350">
+              <a:buFont typeface="+mj-lt"/>
+              <a:buAutoNum type="arabicPeriod"/>
+            </a:pPr>
+            <a:r>
+              <a:rPr lang="pl-PL" dirty="0" smtClean="0"/>
+              <a:t>Utwórz obiekt HttpRequest</a:t>
+            </a:r>
+          </a:p>
+          <a:p>
+            <a:pPr marL="514350" indent="-514350">
+              <a:buFont typeface="+mj-lt"/>
+              <a:buAutoNum type="arabicPeriod"/>
+            </a:pPr>
+            <a:r>
+              <a:rPr lang="pl-PL" dirty="0" smtClean="0"/>
+              <a:t>Wywołaj odpowiednią metodę (np. postForObject)</a:t>
+            </a:r>
+            <a:endParaRPr lang="en-GB" dirty="0"/>
+          </a:p>
+        </p:txBody>
+      </p:sp>
+    </p:spTree>
+    <p:extLst>
+      <p:ext uri="{BB962C8B-B14F-4D97-AF65-F5344CB8AC3E}">
+        <p14:creationId xmlns:p14="http://schemas.microsoft.com/office/powerpoint/2010/main" val="2276979523"/>
+      </p:ext>
+    </p:extLst>
+  </p:cSld>
+  <p:clrMapOvr>
+    <a:masterClrMapping/>
+  </p:clrMapOvr>
+</p:sld>
+</file>
+
+<file path=ppt/slides/slide21.xml><?xml version="1.0" encoding="utf-8"?>
+<p:sld xmlns:a="http://schemas.openxmlformats.org/drawingml/2006/main" xmlns:r="http://schemas.openxmlformats.org/officeDocument/2006/relationships" xmlns:p="http://schemas.openxmlformats.org/presentationml/2006/main">
+  <p:cSld>
+    <p:spTree>
+      <p:nvGrpSpPr>
+        <p:cNvPr id="1" name=""/>
+        <p:cNvGrpSpPr/>
+        <p:nvPr/>
+      </p:nvGrpSpPr>
+      <p:grpSpPr>
+        <a:xfrm>
+          <a:off x="0" y="0"/>
+          <a:ext cx="0" cy="0"/>
+          <a:chOff x="0" y="0"/>
+          <a:chExt cx="0" cy="0"/>
+        </a:xfrm>
+      </p:grpSpPr>
+      <p:sp>
+        <p:nvSpPr>
+          <p:cNvPr id="2" name="Title 1"/>
+          <p:cNvSpPr>
+            <a:spLocks noGrp="1"/>
+          </p:cNvSpPr>
+          <p:nvPr>
+            <p:ph type="title"/>
+          </p:nvPr>
+        </p:nvSpPr>
+        <p:spPr/>
+        <p:txBody>
+          <a:bodyPr/>
+          <a:lstStyle/>
+          <a:p>
+            <a:r>
+              <a:rPr lang="pl-PL" dirty="0" smtClean="0"/>
+              <a:t>REST – Java + RestTemplate</a:t>
+            </a:r>
+            <a:endParaRPr lang="en-GB" dirty="0"/>
+          </a:p>
+        </p:txBody>
+      </p:sp>
+      <p:pic>
+        <p:nvPicPr>
+          <p:cNvPr id="6146" name="Picture 2"/>
+          <p:cNvPicPr>
+            <a:picLocks noGrp="1" noChangeAspect="1" noChangeArrowheads="1"/>
+          </p:cNvPicPr>
+          <p:nvPr>
+            <p:ph idx="1"/>
+          </p:nvPr>
+        </p:nvPicPr>
+        <p:blipFill rotWithShape="1">
+          <a:blip r:embed="rId2">
+            <a:extLst>
+              <a:ext uri="{28A0092B-C50C-407E-A947-70E740481C1C}">
+                <a14:useLocalDpi xmlns:a14="http://schemas.microsoft.com/office/drawing/2010/main" val="0"/>
+              </a:ext>
+            </a:extLst>
+          </a:blip>
+          <a:srcRect l="4862" t="667" b="-1"/>
+          <a:stretch/>
+        </p:blipFill>
+        <p:spPr bwMode="auto">
+          <a:xfrm>
+            <a:off x="395536" y="3501008"/>
+            <a:ext cx="6785360" cy="1136009"/>
+          </a:xfrm>
+          <a:prstGeom prst="rect">
+            <a:avLst/>
+          </a:prstGeom>
+          <a:noFill/>
+          <a:ln>
+            <a:noFill/>
+          </a:ln>
+          <a:extLst>
+            <a:ext uri="{909E8E84-426E-40DD-AFC4-6F175D3DCCD1}">
+              <a14:hiddenFill xmlns:a14="http://schemas.microsoft.com/office/drawing/2010/main">
+                <a:solidFill>
+                  <a:schemeClr val="accent1"/>
+                </a:solidFill>
+              </a14:hiddenFill>
+            </a:ext>
+            <a:ext uri="{91240B29-F687-4F45-9708-019B960494DF}">
+              <a14:hiddenLine xmlns:a14="http://schemas.microsoft.com/office/drawing/2010/main" w="9525">
+                <a:solidFill>
+                  <a:schemeClr val="tx1"/>
+                </a:solidFill>
+                <a:miter lim="800000"/>
+                <a:headEnd/>
+                <a:tailEnd/>
+              </a14:hiddenLine>
+            </a:ext>
+          </a:extLst>
+        </p:spPr>
+      </p:pic>
+      <p:pic>
+        <p:nvPicPr>
+          <p:cNvPr id="6147" name="Picture 3"/>
+          <p:cNvPicPr>
+            <a:picLocks noChangeAspect="1" noChangeArrowheads="1"/>
+          </p:cNvPicPr>
+          <p:nvPr/>
+        </p:nvPicPr>
+        <p:blipFill>
+          <a:blip r:embed="rId3">
+            <a:extLst>
+              <a:ext uri="{28A0092B-C50C-407E-A947-70E740481C1C}">
+                <a14:useLocalDpi xmlns:a14="http://schemas.microsoft.com/office/drawing/2010/main" val="0"/>
+              </a:ext>
+            </a:extLst>
+          </a:blip>
+          <a:srcRect/>
+          <a:stretch>
+            <a:fillRect/>
+          </a:stretch>
+        </p:blipFill>
+        <p:spPr bwMode="auto">
+          <a:xfrm>
+            <a:off x="539552" y="1772816"/>
+            <a:ext cx="5505450" cy="1333500"/>
+          </a:xfrm>
+          <a:prstGeom prst="rect">
+            <a:avLst/>
+          </a:prstGeom>
+          <a:noFill/>
+          <a:ln>
+            <a:noFill/>
+          </a:ln>
+          <a:extLst>
+            <a:ext uri="{909E8E84-426E-40DD-AFC4-6F175D3DCCD1}">
+              <a14:hiddenFill xmlns:a14="http://schemas.microsoft.com/office/drawing/2010/main">
+                <a:solidFill>
+                  <a:schemeClr val="accent1"/>
+                </a:solidFill>
+              </a14:hiddenFill>
+            </a:ext>
+            <a:ext uri="{91240B29-F687-4F45-9708-019B960494DF}">
+              <a14:hiddenLine xmlns:a14="http://schemas.microsoft.com/office/drawing/2010/main" w="9525">
+                <a:solidFill>
+                  <a:schemeClr val="tx1"/>
+                </a:solidFill>
+                <a:miter lim="800000"/>
+                <a:headEnd/>
+                <a:tailEnd/>
+              </a14:hiddenLine>
+            </a:ext>
+          </a:extLst>
+        </p:spPr>
+      </p:pic>
+    </p:spTree>
+    <p:extLst>
+      <p:ext uri="{BB962C8B-B14F-4D97-AF65-F5344CB8AC3E}">
+        <p14:creationId xmlns:p14="http://schemas.microsoft.com/office/powerpoint/2010/main" val="1329399848"/>
+      </p:ext>
+    </p:extLst>
+  </p:cSld>
+  <p:clrMapOvr>
+    <a:masterClrMapping/>
+  </p:clrMapOvr>
+</p:sld>
+</file>
+
+<file path=ppt/slides/slide22.xml><?xml version="1.0" encoding="utf-8"?>
+<p:sld xmlns:a="http://schemas.openxmlformats.org/drawingml/2006/main" xmlns:r="http://schemas.openxmlformats.org/officeDocument/2006/relationships" xmlns:p="http://schemas.openxmlformats.org/presentationml/2006/main">
+  <p:cSld>
+    <p:spTree>
+      <p:nvGrpSpPr>
+        <p:cNvPr id="1" name=""/>
+        <p:cNvGrpSpPr/>
+        <p:nvPr/>
+      </p:nvGrpSpPr>
+      <p:grpSpPr>
+        <a:xfrm>
+          <a:off x="0" y="0"/>
+          <a:ext cx="0" cy="0"/>
+          <a:chOff x="0" y="0"/>
+          <a:chExt cx="0" cy="0"/>
+        </a:xfrm>
+      </p:grpSpPr>
+      <p:sp>
+        <p:nvSpPr>
+          <p:cNvPr id="2" name="Title 1"/>
+          <p:cNvSpPr>
+            <a:spLocks noGrp="1"/>
+          </p:cNvSpPr>
+          <p:nvPr>
+            <p:ph type="title"/>
+          </p:nvPr>
+        </p:nvSpPr>
+        <p:spPr/>
+        <p:txBody>
+          <a:bodyPr/>
+          <a:lstStyle/>
+          <a:p>
+            <a:r>
+              <a:rPr lang="pl-PL" dirty="0" smtClean="0"/>
+              <a:t>REST – Java + Feign</a:t>
+            </a:r>
+            <a:endParaRPr lang="en-GB" dirty="0"/>
+          </a:p>
+        </p:txBody>
+      </p:sp>
+      <p:sp>
+        <p:nvSpPr>
+          <p:cNvPr id="3" name="Content Placeholder 2"/>
+          <p:cNvSpPr>
+            <a:spLocks noGrp="1"/>
+          </p:cNvSpPr>
+          <p:nvPr>
+            <p:ph idx="1"/>
+          </p:nvPr>
+        </p:nvSpPr>
+        <p:spPr/>
+        <p:txBody>
+          <a:bodyPr/>
+          <a:lstStyle/>
+          <a:p>
+            <a:pPr marL="514350" indent="-514350">
+              <a:buFont typeface="+mj-lt"/>
+              <a:buAutoNum type="arabicPeriod"/>
+            </a:pPr>
+            <a:r>
+              <a:rPr lang="pl-PL" dirty="0" smtClean="0"/>
+              <a:t>Utwórz interfejs</a:t>
+            </a:r>
+          </a:p>
+          <a:p>
+            <a:pPr marL="514350" indent="-514350">
+              <a:buFont typeface="+mj-lt"/>
+              <a:buAutoNum type="arabicPeriod"/>
+            </a:pPr>
+            <a:r>
+              <a:rPr lang="pl-PL" dirty="0" smtClean="0"/>
+              <a:t>Wywołaj metodę interfejsu</a:t>
+            </a:r>
+            <a:endParaRPr lang="en-GB" dirty="0"/>
+          </a:p>
+        </p:txBody>
+      </p:sp>
+      <p:pic>
+        <p:nvPicPr>
+          <p:cNvPr id="7170" name="Picture 2"/>
+          <p:cNvPicPr>
+            <a:picLocks noChangeAspect="1" noChangeArrowheads="1"/>
+          </p:cNvPicPr>
+          <p:nvPr/>
+        </p:nvPicPr>
+        <p:blipFill>
+          <a:blip r:embed="rId2">
+            <a:extLst>
+              <a:ext uri="{28A0092B-C50C-407E-A947-70E740481C1C}">
+                <a14:useLocalDpi xmlns:a14="http://schemas.microsoft.com/office/drawing/2010/main" val="0"/>
+              </a:ext>
+            </a:extLst>
+          </a:blip>
+          <a:srcRect/>
+          <a:stretch>
+            <a:fillRect/>
+          </a:stretch>
+        </p:blipFill>
+        <p:spPr bwMode="auto">
+          <a:xfrm>
+            <a:off x="1619672" y="2996952"/>
+            <a:ext cx="5438775" cy="2771775"/>
+          </a:xfrm>
+          <a:prstGeom prst="rect">
+            <a:avLst/>
+          </a:prstGeom>
+          <a:noFill/>
+          <a:ln>
+            <a:noFill/>
+          </a:ln>
+          <a:extLst>
+            <a:ext uri="{909E8E84-426E-40DD-AFC4-6F175D3DCCD1}">
+              <a14:hiddenFill xmlns:a14="http://schemas.microsoft.com/office/drawing/2010/main">
+                <a:solidFill>
+                  <a:schemeClr val="accent1"/>
+                </a:solidFill>
+              </a14:hiddenFill>
+            </a:ext>
+            <a:ext uri="{91240B29-F687-4F45-9708-019B960494DF}">
+              <a14:hiddenLine xmlns:a14="http://schemas.microsoft.com/office/drawing/2010/main" w="9525">
+                <a:solidFill>
+                  <a:schemeClr val="tx1"/>
+                </a:solidFill>
+                <a:miter lim="800000"/>
+                <a:headEnd/>
+                <a:tailEnd/>
+              </a14:hiddenLine>
+            </a:ext>
+          </a:extLst>
+        </p:spPr>
+      </p:pic>
+    </p:spTree>
+    <p:extLst>
+      <p:ext uri="{BB962C8B-B14F-4D97-AF65-F5344CB8AC3E}">
+        <p14:creationId xmlns:p14="http://schemas.microsoft.com/office/powerpoint/2010/main" val="76981748"/>
+      </p:ext>
+    </p:extLst>
+  </p:cSld>
+  <p:clrMapOvr>
+    <a:masterClrMapping/>
+  </p:clrMapOvr>
+</p:sld>
+</file>
+
+<file path=ppt/slides/slide23.xml><?xml version="1.0" encoding="utf-8"?>
 <p:sld xmlns:a="http://schemas.openxmlformats.org/drawingml/2006/main" xmlns:r="http://schemas.openxmlformats.org/officeDocument/2006/relationships" xmlns:p="http://schemas.openxmlformats.org/presentationml/2006/main">
   <p:cSld>
     <p:spTree>
@@ -4124,7 +6106,7 @@
 </p:sld>
 </file>
 
-<file path=ppt/slides/slide11.xml><?xml version="1.0" encoding="utf-8"?>
+<file path=ppt/slides/slide24.xml><?xml version="1.0" encoding="utf-8"?>
 <p:sld xmlns:a="http://schemas.openxmlformats.org/drawingml/2006/main" xmlns:r="http://schemas.openxmlformats.org/officeDocument/2006/relationships" xmlns:p="http://schemas.openxmlformats.org/presentationml/2006/main">
   <p:cSld>
     <p:spTree>
@@ -4267,7 +6249,7 @@
 </p:sld>
 </file>
 
-<file path=ppt/slides/slide12.xml><?xml version="1.0" encoding="utf-8"?>
+<file path=ppt/slides/slide25.xml><?xml version="1.0" encoding="utf-8"?>
 <p:sld xmlns:a="http://schemas.openxmlformats.org/drawingml/2006/main" xmlns:r="http://schemas.openxmlformats.org/officeDocument/2006/relationships" xmlns:p="http://schemas.openxmlformats.org/presentationml/2006/main">
   <p:cSld>
     <p:spTree>
@@ -4368,7 +6350,7 @@
             </a:pPr>
             <a:r>
               <a:rPr lang="pl-PL" dirty="0" smtClean="0"/>
-              <a:t>Używaj czasowników dla operacji które nie dotyczą zasobów</a:t>
+              <a:t>Używaj czasowników dla operacji które nie dotyczą zasobów </a:t>
             </a:r>
           </a:p>
           <a:p>
@@ -4400,7 +6382,7 @@
 </p:sld>
 </file>
 
-<file path=ppt/slides/slide13.xml><?xml version="1.0" encoding="utf-8"?>
+<file path=ppt/slides/slide26.xml><?xml version="1.0" encoding="utf-8"?>
 <p:sld xmlns:a="http://schemas.openxmlformats.org/drawingml/2006/main" xmlns:r="http://schemas.openxmlformats.org/officeDocument/2006/relationships" xmlns:p="http://schemas.openxmlformats.org/presentationml/2006/main">
   <p:cSld>
     <p:spTree>
@@ -4434,7 +6416,7 @@
           <a:p>
             <a:r>
               <a:rPr lang="pl-PL" dirty="0" smtClean="0"/>
-              <a:t>Linki</a:t>
+              <a:t>Best Practises</a:t>
             </a:r>
             <a:endParaRPr lang="en-GB" dirty="0"/>
           </a:p>
@@ -4452,182 +6434,61 @@
         </p:nvSpPr>
         <p:spPr/>
         <p:txBody>
-          <a:bodyPr>
-            <a:normAutofit lnSpcReduction="10000"/>
-          </a:bodyPr>
-          <a:lstStyle/>
-          <a:p>
-            <a:r>
-              <a:rPr lang="pl-PL" sz="2800" dirty="0" smtClean="0"/>
-              <a:t>Opis protokołu HTTP</a:t>
-            </a:r>
-          </a:p>
-          <a:p>
-            <a:pPr marL="400050" lvl="1" indent="0">
-              <a:buNone/>
+          <a:bodyPr/>
+          <a:lstStyle/>
+          <a:p>
+            <a:pPr marL="514350" indent="-514350">
+              <a:buFont typeface="+mj-lt"/>
+              <a:buAutoNum type="arabicPeriod" startAt="8"/>
             </a:pPr>
             <a:r>
-              <a:rPr lang="pl-PL" sz="2000" dirty="0">
-                <a:hlinkClick r:id="rId2"/>
-              </a:rPr>
-              <a:t>https://</a:t>
-            </a:r>
-            <a:r>
-              <a:rPr lang="pl-PL" sz="2000" dirty="0" smtClean="0">
-                <a:hlinkClick r:id="rId2"/>
-              </a:rPr>
-              <a:t>developer.mozilla.org/en-US/docs/Web/HTTP/Overview</a:t>
-            </a:r>
-            <a:endParaRPr lang="pl-PL" sz="2000" dirty="0"/>
-          </a:p>
-          <a:p>
-            <a:r>
-              <a:rPr lang="pl-PL" sz="2800" dirty="0" smtClean="0"/>
-              <a:t>Stronka wprowadzająca w temat webservices</a:t>
-            </a:r>
-          </a:p>
-          <a:p>
-            <a:pPr marL="400050" lvl="1" indent="0">
-              <a:buNone/>
+              <a:rPr lang="pl-PL" dirty="0" smtClean="0"/>
+              <a:t>Wersjonuj swoje API</a:t>
+            </a:r>
+          </a:p>
+          <a:p>
+            <a:pPr marL="514350" indent="-514350">
+              <a:buFont typeface="+mj-lt"/>
+              <a:buAutoNum type="arabicPeriod" startAt="8"/>
             </a:pPr>
             <a:r>
-              <a:rPr lang="en-GB" sz="2000" dirty="0" smtClean="0">
-                <a:hlinkClick r:id="rId3"/>
-              </a:rPr>
-              <a:t>https</a:t>
-            </a:r>
-            <a:r>
-              <a:rPr lang="en-GB" sz="2000" dirty="0">
-                <a:hlinkClick r:id="rId3"/>
-              </a:rPr>
-              <a:t>://</a:t>
-            </a:r>
-            <a:r>
-              <a:rPr lang="en-GB" sz="2000" dirty="0" smtClean="0">
-                <a:hlinkClick r:id="rId3"/>
-              </a:rPr>
-              <a:t>www.studytonight.com/rest-web-service/introduction</a:t>
-            </a:r>
-            <a:endParaRPr lang="pl-PL" sz="2000" dirty="0" smtClean="0"/>
-          </a:p>
-          <a:p>
-            <a:r>
-              <a:rPr lang="pl-PL" sz="2800" dirty="0" smtClean="0"/>
-              <a:t>Zbiór dobrych praktyk dotyczących REST</a:t>
-            </a:r>
-          </a:p>
-          <a:p>
-            <a:pPr marL="400050" lvl="1" indent="0">
-              <a:buNone/>
+              <a:rPr lang="pl-PL" dirty="0" smtClean="0"/>
+              <a:t>Zapewnij zmienność swojego API</a:t>
+            </a:r>
+          </a:p>
+          <a:p>
+            <a:pPr marL="514350" indent="-514350">
+              <a:buFont typeface="+mj-lt"/>
+              <a:buAutoNum type="arabicPeriod" startAt="8"/>
             </a:pPr>
             <a:r>
-              <a:rPr lang="pl-PL" sz="2000" dirty="0">
-                <a:hlinkClick r:id="rId4"/>
-              </a:rPr>
-              <a:t>https://</a:t>
-            </a:r>
-            <a:r>
-              <a:rPr lang="pl-PL" sz="2000" dirty="0" smtClean="0">
-                <a:hlinkClick r:id="rId4"/>
-              </a:rPr>
-              <a:t>www.vinaysahni.com/best-practices-for-a-pragmatic-restful-api</a:t>
-            </a:r>
-            <a:endParaRPr lang="pl-PL" sz="2000" dirty="0" smtClean="0"/>
-          </a:p>
-          <a:p>
-            <a:pPr marL="400050" lvl="1" indent="0">
-              <a:buNone/>
+              <a:rPr lang="pl-PL" dirty="0" smtClean="0"/>
+              <a:t>Utrzymuj logikę biznesową po stronie serwera</a:t>
+            </a:r>
+          </a:p>
+          <a:p>
+            <a:pPr marL="514350" indent="-514350">
+              <a:buFont typeface="+mj-lt"/>
+              <a:buAutoNum type="arabicPeriod" startAt="8"/>
             </a:pPr>
-            <a:r>
-              <a:rPr lang="pl-PL" sz="2000" dirty="0">
-                <a:hlinkClick r:id="rId5"/>
-              </a:rPr>
-              <a:t>https://phauer.com/2015/restful-api-design-best-practices</a:t>
-            </a:r>
-            <a:r>
-              <a:rPr lang="pl-PL" sz="2000" dirty="0" smtClean="0">
-                <a:hlinkClick r:id="rId5"/>
-              </a:rPr>
-              <a:t>/</a:t>
-            </a:r>
-            <a:endParaRPr lang="pl-PL" sz="2000" dirty="0" smtClean="0"/>
-          </a:p>
-          <a:p>
-            <a:pPr marL="400050" lvl="1" indent="0">
-              <a:buNone/>
-            </a:pPr>
-            <a:r>
-              <a:rPr lang="pl-PL" sz="2000" dirty="0">
-                <a:hlinkClick r:id="rId6"/>
-              </a:rPr>
-              <a:t>https://</a:t>
-            </a:r>
-            <a:r>
-              <a:rPr lang="pl-PL" sz="2000" dirty="0" smtClean="0">
-                <a:hlinkClick r:id="rId6"/>
-              </a:rPr>
-              <a:t>hackernoon.com/restful-api-designing-guidelines-the-best-practices-60e1d954e7c9</a:t>
-            </a:r>
-            <a:endParaRPr lang="pl-PL" sz="2000" dirty="0" smtClean="0"/>
-          </a:p>
-          <a:p>
-            <a:r>
-              <a:rPr lang="pl-PL" sz="2800" dirty="0" smtClean="0"/>
-              <a:t>JSON:API Standard</a:t>
-            </a:r>
-            <a:endParaRPr lang="pl-PL" sz="2400" dirty="0" smtClean="0"/>
-          </a:p>
-          <a:p>
-            <a:pPr marL="400050" lvl="1" indent="0">
-              <a:buNone/>
-            </a:pPr>
-            <a:r>
-              <a:rPr lang="pl-PL" sz="2000" dirty="0">
-                <a:hlinkClick r:id="rId7"/>
-              </a:rPr>
-              <a:t>https://jsonapi.org</a:t>
-            </a:r>
-            <a:r>
-              <a:rPr lang="pl-PL" sz="2000" dirty="0" smtClean="0">
-                <a:hlinkClick r:id="rId7"/>
-              </a:rPr>
-              <a:t>/</a:t>
-            </a:r>
-            <a:endParaRPr lang="pl-PL" sz="2000" dirty="0" smtClean="0"/>
-          </a:p>
-          <a:p>
-            <a:pPr marL="400050" lvl="1" indent="0">
-              <a:buNone/>
-            </a:pPr>
-            <a:endParaRPr lang="pl-PL" sz="2000" dirty="0" smtClean="0"/>
-          </a:p>
-          <a:p>
-            <a:pPr lvl="1"/>
-            <a:endParaRPr lang="en-GB" sz="2000" dirty="0"/>
+            <a:endParaRPr lang="pl-PL" dirty="0" smtClean="0"/>
           </a:p>
         </p:txBody>
       </p:sp>
     </p:spTree>
     <p:extLst>
       <p:ext uri="{BB962C8B-B14F-4D97-AF65-F5344CB8AC3E}">
-        <p14:creationId xmlns:p14="http://schemas.microsoft.com/office/powerpoint/2010/main" val="1674343888"/>
+        <p14:creationId xmlns:p14="http://schemas.microsoft.com/office/powerpoint/2010/main" val="1491153784"/>
       </p:ext>
     </p:extLst>
   </p:cSld>
   <p:clrMapOvr>
     <a:masterClrMapping/>
   </p:clrMapOvr>
-  <p:timing>
-    <p:tnLst>
-      <p:par>
-        <p:cTn id="1" dur="indefinite" restart="never" nodeType="tmRoot"/>
-      </p:par>
-    </p:tnLst>
-  </p:timing>
 </p:sld>
 </file>
 
-<file path=ppt/slides/slide2.xml><?xml version="1.0" encoding="utf-8"?>
+<file path=ppt/slides/slide27.xml><?xml version="1.0" encoding="utf-8"?>
 <p:sld xmlns:a="http://schemas.openxmlformats.org/drawingml/2006/main" xmlns:r="http://schemas.openxmlformats.org/officeDocument/2006/relationships" xmlns:p="http://schemas.openxmlformats.org/presentationml/2006/main">
   <p:cSld>
     <p:spTree>
@@ -4661,7 +6522,7 @@
           <a:p>
             <a:r>
               <a:rPr lang="pl-PL" dirty="0" smtClean="0"/>
-              <a:t>Agenda</a:t>
+              <a:t>Linki</a:t>
             </a:r>
             <a:endParaRPr lang="en-GB" dirty="0"/>
           </a:p>
@@ -4679,45 +6540,201 @@
         </p:nvSpPr>
         <p:spPr/>
         <p:txBody>
-          <a:bodyPr/>
-          <a:lstStyle/>
-          <a:p>
-            <a:r>
-              <a:rPr lang="pl-PL" dirty="0" smtClean="0"/>
-              <a:t>Definicja usług sieciowych (webservices)</a:t>
-            </a:r>
-          </a:p>
-          <a:p>
-            <a:r>
-              <a:rPr lang="pl-PL" dirty="0" smtClean="0"/>
-              <a:t>Protokół HTTP</a:t>
-            </a:r>
-          </a:p>
-          <a:p>
-            <a:r>
-              <a:rPr lang="pl-PL" dirty="0" smtClean="0"/>
-              <a:t>SOAP vs REST</a:t>
-            </a:r>
-          </a:p>
-          <a:p>
-            <a:r>
-              <a:rPr lang="pl-PL" dirty="0" smtClean="0"/>
-              <a:t>Model dojrzałości Richardsona</a:t>
-            </a:r>
-          </a:p>
-          <a:p>
-            <a:r>
-              <a:rPr lang="pl-PL" dirty="0" smtClean="0"/>
-              <a:t>REST best practises</a:t>
-            </a:r>
-            <a:endParaRPr lang="en-GB" dirty="0"/>
+          <a:bodyPr>
+            <a:normAutofit fontScale="85000" lnSpcReduction="20000"/>
+          </a:bodyPr>
+          <a:lstStyle/>
+          <a:p>
+            <a:r>
+              <a:rPr lang="pl-PL" sz="2800" dirty="0" smtClean="0"/>
+              <a:t>Opis protokołu HTTP</a:t>
+            </a:r>
+          </a:p>
+          <a:p>
+            <a:pPr marL="400050" lvl="1" indent="0">
+              <a:buNone/>
+            </a:pPr>
+            <a:r>
+              <a:rPr lang="pl-PL" sz="2000" dirty="0">
+                <a:hlinkClick r:id="rId2"/>
+              </a:rPr>
+              <a:t>https://</a:t>
+            </a:r>
+            <a:r>
+              <a:rPr lang="pl-PL" sz="2000" dirty="0" smtClean="0">
+                <a:hlinkClick r:id="rId2"/>
+              </a:rPr>
+              <a:t>developer.mozilla.org/en-US/docs/Web/HTTP/Overview</a:t>
+            </a:r>
+            <a:endParaRPr lang="pl-PL" sz="2000" dirty="0" smtClean="0"/>
+          </a:p>
+          <a:p>
+            <a:pPr marL="400050" lvl="1" indent="0">
+              <a:buNone/>
+            </a:pPr>
+            <a:endParaRPr lang="pl-PL" sz="2000" dirty="0"/>
+          </a:p>
+          <a:p>
+            <a:r>
+              <a:rPr lang="pl-PL" sz="2800" dirty="0" smtClean="0"/>
+              <a:t>Stronka wprowadzająca w temat webservices</a:t>
+            </a:r>
+          </a:p>
+          <a:p>
+            <a:pPr marL="400050" lvl="1" indent="0">
+              <a:buNone/>
+            </a:pPr>
+            <a:r>
+              <a:rPr lang="en-GB" sz="2000" dirty="0" smtClean="0">
+                <a:hlinkClick r:id="rId3"/>
+              </a:rPr>
+              <a:t>https</a:t>
+            </a:r>
+            <a:r>
+              <a:rPr lang="en-GB" sz="2000" dirty="0">
+                <a:hlinkClick r:id="rId3"/>
+              </a:rPr>
+              <a:t>://</a:t>
+            </a:r>
+            <a:r>
+              <a:rPr lang="en-GB" sz="2000" dirty="0" smtClean="0">
+                <a:hlinkClick r:id="rId3"/>
+              </a:rPr>
+              <a:t>www.studytonight.com/rest-web-service/introduction</a:t>
+            </a:r>
+            <a:endParaRPr lang="pl-PL" sz="2000" dirty="0" smtClean="0"/>
+          </a:p>
+          <a:p>
+            <a:pPr marL="400050" lvl="1" indent="0">
+              <a:buNone/>
+            </a:pPr>
+            <a:endParaRPr lang="pl-PL" sz="2000" dirty="0" smtClean="0"/>
+          </a:p>
+          <a:p>
+            <a:r>
+              <a:rPr lang="pl-PL" sz="2800" dirty="0" smtClean="0"/>
+              <a:t>Zbiór dobrych praktyk dotyczących REST</a:t>
+            </a:r>
+          </a:p>
+          <a:p>
+            <a:pPr marL="400050" lvl="1" indent="0">
+              <a:buNone/>
+            </a:pPr>
+            <a:r>
+              <a:rPr lang="pl-PL" sz="2000" dirty="0">
+                <a:hlinkClick r:id="rId4"/>
+              </a:rPr>
+              <a:t>https://</a:t>
+            </a:r>
+            <a:r>
+              <a:rPr lang="pl-PL" sz="2000" dirty="0" smtClean="0">
+                <a:hlinkClick r:id="rId4"/>
+              </a:rPr>
+              <a:t>www.vinaysahni.com/best-practices-for-a-pragmatic-restful-api</a:t>
+            </a:r>
+            <a:endParaRPr lang="pl-PL" sz="2000" dirty="0" smtClean="0"/>
+          </a:p>
+          <a:p>
+            <a:pPr marL="400050" lvl="1" indent="0">
+              <a:buNone/>
+            </a:pPr>
+            <a:r>
+              <a:rPr lang="pl-PL" sz="2000" dirty="0">
+                <a:hlinkClick r:id="rId5"/>
+              </a:rPr>
+              <a:t>https://phauer.com/2015/restful-api-design-best-practices</a:t>
+            </a:r>
+            <a:r>
+              <a:rPr lang="pl-PL" sz="2000" dirty="0" smtClean="0">
+                <a:hlinkClick r:id="rId5"/>
+              </a:rPr>
+              <a:t>/</a:t>
+            </a:r>
+            <a:endParaRPr lang="pl-PL" sz="2000" dirty="0" smtClean="0"/>
+          </a:p>
+          <a:p>
+            <a:pPr marL="400050" lvl="1" indent="0">
+              <a:buNone/>
+            </a:pPr>
+            <a:r>
+              <a:rPr lang="pl-PL" sz="2000" dirty="0">
+                <a:hlinkClick r:id="rId6"/>
+              </a:rPr>
+              <a:t>https://</a:t>
+            </a:r>
+            <a:r>
+              <a:rPr lang="pl-PL" sz="2000" dirty="0" smtClean="0">
+                <a:hlinkClick r:id="rId6"/>
+              </a:rPr>
+              <a:t>hackernoon.com/restful-api-designing-guidelines-the-best-practices-60e1d954e7c9</a:t>
+            </a:r>
+            <a:endParaRPr lang="pl-PL" sz="2000" dirty="0" smtClean="0"/>
+          </a:p>
+          <a:p>
+            <a:pPr marL="400050" lvl="1" indent="0">
+              <a:buNone/>
+            </a:pPr>
+            <a:r>
+              <a:rPr lang="pl-PL" sz="2000" dirty="0">
+                <a:hlinkClick r:id="rId7"/>
+              </a:rPr>
+              <a:t>https://www.smashingmagazine.com/2016/09/understanding-rest-and-rpc-for-http-apis</a:t>
+            </a:r>
+            <a:r>
+              <a:rPr lang="pl-PL" sz="2000" dirty="0" smtClean="0">
+                <a:hlinkClick r:id="rId7"/>
+              </a:rPr>
+              <a:t>/</a:t>
+            </a:r>
+            <a:endParaRPr lang="pl-PL" sz="2000" dirty="0" smtClean="0"/>
+          </a:p>
+          <a:p>
+            <a:pPr marL="400050" lvl="1" indent="0">
+              <a:buNone/>
+            </a:pPr>
+            <a:endParaRPr lang="pl-PL" sz="2000" dirty="0" smtClean="0"/>
+          </a:p>
+          <a:p>
+            <a:r>
+              <a:rPr lang="pl-PL" sz="2800" dirty="0" smtClean="0"/>
+              <a:t>JSON:API Standard</a:t>
+            </a:r>
+            <a:endParaRPr lang="pl-PL" sz="2400" dirty="0" smtClean="0"/>
+          </a:p>
+          <a:p>
+            <a:pPr marL="400050" lvl="1" indent="0">
+              <a:buNone/>
+            </a:pPr>
+            <a:r>
+              <a:rPr lang="pl-PL" sz="2000" dirty="0">
+                <a:hlinkClick r:id="rId8"/>
+              </a:rPr>
+              <a:t>https://jsonapi.org</a:t>
+            </a:r>
+            <a:r>
+              <a:rPr lang="pl-PL" sz="2000" dirty="0" smtClean="0">
+                <a:hlinkClick r:id="rId8"/>
+              </a:rPr>
+              <a:t>/</a:t>
+            </a:r>
+            <a:endParaRPr lang="pl-PL" sz="2000" dirty="0" smtClean="0"/>
+          </a:p>
+          <a:p>
+            <a:pPr marL="400050" lvl="1" indent="0">
+              <a:buNone/>
+            </a:pPr>
+            <a:endParaRPr lang="pl-PL" sz="2000" dirty="0" smtClean="0"/>
+          </a:p>
+          <a:p>
+            <a:pPr lvl="1"/>
+            <a:endParaRPr lang="en-GB" sz="2000" dirty="0"/>
           </a:p>
         </p:txBody>
       </p:sp>
     </p:spTree>
     <p:extLst>
       <p:ext uri="{BB962C8B-B14F-4D97-AF65-F5344CB8AC3E}">
-        <p14:creationId xmlns:p14="http://schemas.microsoft.com/office/powerpoint/2010/main" val="1434819400"/>
+        <p14:creationId xmlns:p14="http://schemas.microsoft.com/office/powerpoint/2010/main" val="1674343888"/>
       </p:ext>
     </p:extLst>
   </p:cSld>
@@ -4768,6 +6785,480 @@
           <a:p>
             <a:r>
               <a:rPr lang="pl-PL" dirty="0" smtClean="0"/>
+              <a:t>API - Definicja</a:t>
+            </a:r>
+            <a:endParaRPr lang="en-GB" dirty="0"/>
+          </a:p>
+        </p:txBody>
+      </p:sp>
+      <p:sp>
+        <p:nvSpPr>
+          <p:cNvPr id="3" name="Content Placeholder 2"/>
+          <p:cNvSpPr>
+            <a:spLocks noGrp="1"/>
+          </p:cNvSpPr>
+          <p:nvPr>
+            <p:ph idx="1"/>
+          </p:nvPr>
+        </p:nvSpPr>
+        <p:spPr>
+          <a:xfrm>
+            <a:off x="467544" y="1556792"/>
+            <a:ext cx="8229600" cy="4525963"/>
+          </a:xfrm>
+        </p:spPr>
+        <p:txBody>
+          <a:bodyPr/>
+          <a:lstStyle/>
+          <a:p>
+            <a:r>
+              <a:rPr lang="pl-PL" b="1" dirty="0" smtClean="0"/>
+              <a:t>A</a:t>
+            </a:r>
+            <a:r>
+              <a:rPr lang="pl-PL" dirty="0" smtClean="0"/>
+              <a:t>pplication </a:t>
+            </a:r>
+            <a:r>
+              <a:rPr lang="pl-PL" b="1" dirty="0" smtClean="0"/>
+              <a:t>P</a:t>
+            </a:r>
+            <a:r>
+              <a:rPr lang="pl-PL" dirty="0" smtClean="0"/>
+              <a:t>rogram </a:t>
+            </a:r>
+            <a:r>
+              <a:rPr lang="pl-PL" b="1" dirty="0" smtClean="0"/>
+              <a:t>I</a:t>
+            </a:r>
+            <a:r>
+              <a:rPr lang="pl-PL" dirty="0" smtClean="0"/>
+              <a:t>nterface</a:t>
+            </a:r>
+          </a:p>
+          <a:p>
+            <a:r>
+              <a:rPr lang="pl-PL" dirty="0" smtClean="0"/>
+              <a:t>Kontrakt definiujący w jaki sposób komunikować się z danym oprogramowaniem</a:t>
+            </a:r>
+          </a:p>
+          <a:p>
+            <a:r>
+              <a:rPr lang="pl-PL" dirty="0" smtClean="0"/>
+              <a:t>Określa strukturę żądań i odpowiedzi</a:t>
+            </a:r>
+            <a:endParaRPr lang="en-GB" dirty="0"/>
+          </a:p>
+        </p:txBody>
+      </p:sp>
+      <p:grpSp>
+        <p:nvGrpSpPr>
+          <p:cNvPr id="10" name="Group 9"/>
+          <p:cNvGrpSpPr/>
+          <p:nvPr/>
+        </p:nvGrpSpPr>
+        <p:grpSpPr>
+          <a:xfrm>
+            <a:off x="1619672" y="4337195"/>
+            <a:ext cx="5328592" cy="1224137"/>
+            <a:chOff x="1331640" y="4653136"/>
+            <a:chExt cx="5328592" cy="1224137"/>
+          </a:xfrm>
+        </p:grpSpPr>
+        <p:sp>
+          <p:nvSpPr>
+            <p:cNvPr id="9" name="Flowchart: Process 8"/>
+            <p:cNvSpPr/>
+            <p:nvPr/>
+          </p:nvSpPr>
+          <p:spPr>
+            <a:xfrm>
+              <a:off x="3059832" y="4653137"/>
+              <a:ext cx="1872208" cy="1224136"/>
+            </a:xfrm>
+            <a:prstGeom prst="flowChartProcess">
+              <a:avLst/>
+            </a:prstGeom>
+          </p:spPr>
+          <p:style>
+            <a:lnRef idx="2">
+              <a:schemeClr val="accent1">
+                <a:shade val="50000"/>
+              </a:schemeClr>
+            </a:lnRef>
+            <a:fillRef idx="1">
+              <a:schemeClr val="accent1"/>
+            </a:fillRef>
+            <a:effectRef idx="0">
+              <a:schemeClr val="accent1"/>
+            </a:effectRef>
+            <a:fontRef idx="minor">
+              <a:schemeClr val="lt1"/>
+            </a:fontRef>
+          </p:style>
+          <p:txBody>
+            <a:bodyPr rtlCol="0" anchor="t"/>
+            <a:lstStyle/>
+            <a:p>
+              <a:pPr algn="ctr"/>
+              <a:r>
+                <a:rPr lang="pl-PL" dirty="0" smtClean="0"/>
+                <a:t>API</a:t>
+              </a:r>
+              <a:endParaRPr lang="en-GB" dirty="0"/>
+            </a:p>
+          </p:txBody>
+        </p:sp>
+        <p:sp>
+          <p:nvSpPr>
+            <p:cNvPr id="4" name="Flowchart: Process 3"/>
+            <p:cNvSpPr/>
+            <p:nvPr/>
+          </p:nvSpPr>
+          <p:spPr>
+            <a:xfrm>
+              <a:off x="1331640" y="4653136"/>
+              <a:ext cx="1584176" cy="1224136"/>
+            </a:xfrm>
+            <a:prstGeom prst="flowChartProcess">
+              <a:avLst/>
+            </a:prstGeom>
+          </p:spPr>
+          <p:style>
+            <a:lnRef idx="2">
+              <a:schemeClr val="accent3">
+                <a:shade val="50000"/>
+              </a:schemeClr>
+            </a:lnRef>
+            <a:fillRef idx="1">
+              <a:schemeClr val="accent3"/>
+            </a:fillRef>
+            <a:effectRef idx="0">
+              <a:schemeClr val="accent3"/>
+            </a:effectRef>
+            <a:fontRef idx="minor">
+              <a:schemeClr val="lt1"/>
+            </a:fontRef>
+          </p:style>
+          <p:txBody>
+            <a:bodyPr rtlCol="0" anchor="ctr"/>
+            <a:lstStyle/>
+            <a:p>
+              <a:pPr algn="ctr"/>
+              <a:r>
+                <a:rPr lang="pl-PL" dirty="0" smtClean="0"/>
+                <a:t>Twoja aplikacja</a:t>
+              </a:r>
+              <a:endParaRPr lang="en-GB" dirty="0"/>
+            </a:p>
+          </p:txBody>
+        </p:sp>
+        <p:sp>
+          <p:nvSpPr>
+            <p:cNvPr id="5" name="Flowchart: Process 4"/>
+            <p:cNvSpPr/>
+            <p:nvPr/>
+          </p:nvSpPr>
+          <p:spPr>
+            <a:xfrm>
+              <a:off x="5076056" y="4653136"/>
+              <a:ext cx="1584176" cy="1224136"/>
+            </a:xfrm>
+            <a:prstGeom prst="flowChartProcess">
+              <a:avLst/>
+            </a:prstGeom>
+          </p:spPr>
+          <p:style>
+            <a:lnRef idx="2">
+              <a:schemeClr val="accent2">
+                <a:shade val="50000"/>
+              </a:schemeClr>
+            </a:lnRef>
+            <a:fillRef idx="1">
+              <a:schemeClr val="accent2"/>
+            </a:fillRef>
+            <a:effectRef idx="0">
+              <a:schemeClr val="accent2"/>
+            </a:effectRef>
+            <a:fontRef idx="minor">
+              <a:schemeClr val="lt1"/>
+            </a:fontRef>
+          </p:style>
+          <p:txBody>
+            <a:bodyPr rtlCol="0" anchor="ctr"/>
+            <a:lstStyle/>
+            <a:p>
+              <a:pPr algn="ctr"/>
+              <a:r>
+                <a:rPr lang="pl-PL" dirty="0" smtClean="0"/>
+                <a:t>Klient</a:t>
+              </a:r>
+              <a:endParaRPr lang="en-GB" dirty="0"/>
+            </a:p>
+          </p:txBody>
+        </p:sp>
+        <p:sp>
+          <p:nvSpPr>
+            <p:cNvPr id="6" name="Right Arrow 5"/>
+            <p:cNvSpPr/>
+            <p:nvPr/>
+          </p:nvSpPr>
+          <p:spPr>
+            <a:xfrm>
+              <a:off x="3131840" y="5309304"/>
+              <a:ext cx="1656184" cy="504056"/>
+            </a:xfrm>
+            <a:prstGeom prst="rightArrow">
+              <a:avLst/>
+            </a:prstGeom>
+          </p:spPr>
+          <p:style>
+            <a:lnRef idx="2">
+              <a:schemeClr val="accent6">
+                <a:shade val="50000"/>
+              </a:schemeClr>
+            </a:lnRef>
+            <a:fillRef idx="1">
+              <a:schemeClr val="accent6"/>
+            </a:fillRef>
+            <a:effectRef idx="0">
+              <a:schemeClr val="accent6"/>
+            </a:effectRef>
+            <a:fontRef idx="minor">
+              <a:schemeClr val="lt1"/>
+            </a:fontRef>
+          </p:style>
+          <p:txBody>
+            <a:bodyPr rtlCol="0" anchor="ctr"/>
+            <a:lstStyle/>
+            <a:p>
+              <a:pPr algn="ctr"/>
+              <a:r>
+                <a:rPr lang="pl-PL" dirty="0" smtClean="0"/>
+                <a:t>Odpowiedź</a:t>
+              </a:r>
+              <a:endParaRPr lang="en-GB" dirty="0"/>
+            </a:p>
+          </p:txBody>
+        </p:sp>
+        <p:sp>
+          <p:nvSpPr>
+            <p:cNvPr id="8" name="Right Arrow 7"/>
+            <p:cNvSpPr/>
+            <p:nvPr/>
+          </p:nvSpPr>
+          <p:spPr>
+            <a:xfrm flipH="1">
+              <a:off x="3131840" y="4871117"/>
+              <a:ext cx="1656184" cy="502099"/>
+            </a:xfrm>
+            <a:prstGeom prst="rightArrow">
+              <a:avLst/>
+            </a:prstGeom>
+          </p:spPr>
+          <p:style>
+            <a:lnRef idx="2">
+              <a:schemeClr val="accent6">
+                <a:shade val="50000"/>
+              </a:schemeClr>
+            </a:lnRef>
+            <a:fillRef idx="1">
+              <a:schemeClr val="accent6"/>
+            </a:fillRef>
+            <a:effectRef idx="0">
+              <a:schemeClr val="accent6"/>
+            </a:effectRef>
+            <a:fontRef idx="minor">
+              <a:schemeClr val="lt1"/>
+            </a:fontRef>
+          </p:style>
+          <p:txBody>
+            <a:bodyPr rtlCol="0" anchor="ctr"/>
+            <a:lstStyle/>
+            <a:p>
+              <a:pPr algn="ctr"/>
+              <a:r>
+                <a:rPr lang="pl-PL" dirty="0" smtClean="0"/>
+                <a:t>Żądanie</a:t>
+              </a:r>
+              <a:endParaRPr lang="en-GB" dirty="0"/>
+            </a:p>
+          </p:txBody>
+        </p:sp>
+      </p:grpSp>
+    </p:spTree>
+    <p:extLst>
+      <p:ext uri="{BB962C8B-B14F-4D97-AF65-F5344CB8AC3E}">
+        <p14:creationId xmlns:p14="http://schemas.microsoft.com/office/powerpoint/2010/main" val="807453065"/>
+      </p:ext>
+    </p:extLst>
+  </p:cSld>
+  <p:clrMapOvr>
+    <a:masterClrMapping/>
+  </p:clrMapOvr>
+</p:sld>
+</file>
+
+<file path=ppt/slides/slide4.xml><?xml version="1.0" encoding="utf-8"?>
+<p:sld xmlns:a="http://schemas.openxmlformats.org/drawingml/2006/main" xmlns:r="http://schemas.openxmlformats.org/officeDocument/2006/relationships" xmlns:p="http://schemas.openxmlformats.org/presentationml/2006/main">
+  <p:cSld>
+    <p:spTree>
+      <p:nvGrpSpPr>
+        <p:cNvPr id="1" name=""/>
+        <p:cNvGrpSpPr/>
+        <p:nvPr/>
+      </p:nvGrpSpPr>
+      <p:grpSpPr>
+        <a:xfrm>
+          <a:off x="0" y="0"/>
+          <a:ext cx="0" cy="0"/>
+          <a:chOff x="0" y="0"/>
+          <a:chExt cx="0" cy="0"/>
+        </a:xfrm>
+      </p:grpSpPr>
+      <p:sp>
+        <p:nvSpPr>
+          <p:cNvPr id="2" name="Title 1"/>
+          <p:cNvSpPr>
+            <a:spLocks noGrp="1"/>
+          </p:cNvSpPr>
+          <p:nvPr>
+            <p:ph type="title"/>
+          </p:nvPr>
+        </p:nvSpPr>
+        <p:spPr/>
+        <p:txBody>
+          <a:bodyPr/>
+          <a:lstStyle/>
+          <a:p>
+            <a:r>
+              <a:rPr lang="pl-PL" dirty="0" smtClean="0"/>
+              <a:t>REST - Definicja</a:t>
+            </a:r>
+            <a:endParaRPr lang="en-GB" dirty="0"/>
+          </a:p>
+        </p:txBody>
+      </p:sp>
+      <p:sp>
+        <p:nvSpPr>
+          <p:cNvPr id="3" name="Content Placeholder 2"/>
+          <p:cNvSpPr>
+            <a:spLocks noGrp="1"/>
+          </p:cNvSpPr>
+          <p:nvPr>
+            <p:ph idx="1"/>
+          </p:nvPr>
+        </p:nvSpPr>
+        <p:spPr/>
+        <p:txBody>
+          <a:bodyPr>
+            <a:normAutofit/>
+          </a:bodyPr>
+          <a:lstStyle/>
+          <a:p>
+            <a:r>
+              <a:rPr lang="en-US" b="1" dirty="0" err="1" smtClean="0"/>
+              <a:t>RE</a:t>
+            </a:r>
+            <a:r>
+              <a:rPr lang="en-US" dirty="0" err="1" smtClean="0"/>
+              <a:t>presentational</a:t>
+            </a:r>
+            <a:r>
+              <a:rPr lang="en-US" dirty="0" smtClean="0"/>
+              <a:t> </a:t>
+            </a:r>
+            <a:r>
+              <a:rPr lang="en-US" b="1" dirty="0"/>
+              <a:t>S</a:t>
+            </a:r>
+            <a:r>
+              <a:rPr lang="en-US" dirty="0"/>
+              <a:t>tate </a:t>
+            </a:r>
+            <a:r>
+              <a:rPr lang="en-US" b="1" dirty="0" smtClean="0"/>
+              <a:t>T</a:t>
+            </a:r>
+            <a:r>
+              <a:rPr lang="en-US" dirty="0" smtClean="0"/>
+              <a:t>ransfer</a:t>
+            </a:r>
+            <a:endParaRPr lang="pl-PL" dirty="0" smtClean="0"/>
+          </a:p>
+          <a:p>
+            <a:r>
+              <a:rPr lang="pl-PL" dirty="0" smtClean="0"/>
+              <a:t>Architektura oprogramowania przeznaczonego dla aplikacji sieciowych</a:t>
+            </a:r>
+          </a:p>
+          <a:p>
+            <a:r>
+              <a:rPr lang="pl-PL" dirty="0" smtClean="0"/>
+              <a:t>Bazuje na bezstanowym protokole typu klient-serwer (np. HTTP)</a:t>
+            </a:r>
+          </a:p>
+          <a:p>
+            <a:r>
+              <a:rPr lang="pl-PL" dirty="0" smtClean="0"/>
+              <a:t>Obiekty zwracane przez serwer traktowane są jako zasoby które można tworzyć lub usuwać</a:t>
+            </a:r>
+          </a:p>
+          <a:p>
+            <a:pPr marL="0" indent="0">
+              <a:buNone/>
+            </a:pPr>
+            <a:endParaRPr lang="en-GB" dirty="0"/>
+          </a:p>
+        </p:txBody>
+      </p:sp>
+    </p:spTree>
+    <p:extLst>
+      <p:ext uri="{BB962C8B-B14F-4D97-AF65-F5344CB8AC3E}">
+        <p14:creationId xmlns:p14="http://schemas.microsoft.com/office/powerpoint/2010/main" val="1971551027"/>
+      </p:ext>
+    </p:extLst>
+  </p:cSld>
+  <p:clrMapOvr>
+    <a:masterClrMapping/>
+  </p:clrMapOvr>
+</p:sld>
+</file>
+
+<file path=ppt/slides/slide5.xml><?xml version="1.0" encoding="utf-8"?>
+<p:sld xmlns:a="http://schemas.openxmlformats.org/drawingml/2006/main" xmlns:r="http://schemas.openxmlformats.org/officeDocument/2006/relationships" xmlns:p="http://schemas.openxmlformats.org/presentationml/2006/main">
+  <p:cSld>
+    <p:spTree>
+      <p:nvGrpSpPr>
+        <p:cNvPr id="1" name=""/>
+        <p:cNvGrpSpPr/>
+        <p:nvPr/>
+      </p:nvGrpSpPr>
+      <p:grpSpPr>
+        <a:xfrm>
+          <a:off x="0" y="0"/>
+          <a:ext cx="0" cy="0"/>
+          <a:chOff x="0" y="0"/>
+          <a:chExt cx="0" cy="0"/>
+        </a:xfrm>
+      </p:grpSpPr>
+      <p:sp>
+        <p:nvSpPr>
+          <p:cNvPr id="2" name="Title 1"/>
+          <p:cNvSpPr>
+            <a:spLocks noGrp="1"/>
+          </p:cNvSpPr>
+          <p:nvPr>
+            <p:ph type="title"/>
+          </p:nvPr>
+        </p:nvSpPr>
+        <p:spPr/>
+        <p:txBody>
+          <a:bodyPr/>
+          <a:lstStyle/>
+          <a:p>
+            <a:r>
+              <a:rPr lang="pl-PL" dirty="0" smtClean="0"/>
               <a:t>HTTP – a co to jest?</a:t>
             </a:r>
             <a:endParaRPr lang="en-GB" dirty="0"/>
@@ -4795,20 +7286,48 @@
           <a:lstStyle/>
           <a:p>
             <a:r>
-              <a:rPr lang="pl-PL" dirty="0" smtClean="0"/>
-              <a:t>Hypertext Transfer Protocol</a:t>
-            </a:r>
-          </a:p>
-          <a:p>
-            <a:r>
-              <a:rPr lang="pl-PL" dirty="0" smtClean="0"/>
-              <a:t>Oparty o komunikację TCP/IP*</a:t>
-            </a:r>
-          </a:p>
-          <a:p>
-            <a:r>
-              <a:rPr lang="pl-PL" dirty="0" smtClean="0"/>
-              <a:t>Służy do przesyłania dowolnego typu danych w sieci WWW</a:t>
+              <a:rPr lang="pl-PL" b="1" dirty="0" smtClean="0"/>
+              <a:t>H</a:t>
+            </a:r>
+            <a:r>
+              <a:rPr lang="pl-PL" dirty="0" smtClean="0"/>
+              <a:t>yper</a:t>
+            </a:r>
+            <a:r>
+              <a:rPr lang="pl-PL" b="1" dirty="0" smtClean="0"/>
+              <a:t>t</a:t>
+            </a:r>
+            <a:r>
+              <a:rPr lang="pl-PL" dirty="0" smtClean="0"/>
+              <a:t>ext </a:t>
+            </a:r>
+            <a:r>
+              <a:rPr lang="pl-PL" b="1" dirty="0" smtClean="0"/>
+              <a:t>T</a:t>
+            </a:r>
+            <a:r>
+              <a:rPr lang="pl-PL" dirty="0" smtClean="0"/>
+              <a:t>ransfer </a:t>
+            </a:r>
+            <a:r>
+              <a:rPr lang="pl-PL" b="1" dirty="0" smtClean="0"/>
+              <a:t>P</a:t>
+            </a:r>
+            <a:r>
+              <a:rPr lang="pl-PL" dirty="0" smtClean="0"/>
+              <a:t>rotocol</a:t>
+            </a:r>
+          </a:p>
+          <a:p>
+            <a:r>
+              <a:rPr lang="pl-PL" dirty="0" smtClean="0"/>
+              <a:t>Działa w oparciu o relację klient - serwer</a:t>
+            </a:r>
+          </a:p>
+          <a:p>
+            <a:r>
+              <a:rPr lang="pl-PL" dirty="0" smtClean="0"/>
+              <a:t>Komunikacja na zasadzie żądanie - odpowiedź</a:t>
             </a:r>
           </a:p>
           <a:p>
@@ -4883,192 +7402,6 @@
 </p:sld>
 </file>
 
-<file path=ppt/slides/slide4.xml><?xml version="1.0" encoding="utf-8"?>
-<p:sld xmlns:a="http://schemas.openxmlformats.org/drawingml/2006/main" xmlns:r="http://schemas.openxmlformats.org/officeDocument/2006/relationships" xmlns:p="http://schemas.openxmlformats.org/presentationml/2006/main">
-  <p:cSld>
-    <p:spTree>
-      <p:nvGrpSpPr>
-        <p:cNvPr id="1" name=""/>
-        <p:cNvGrpSpPr/>
-        <p:nvPr/>
-      </p:nvGrpSpPr>
-      <p:grpSpPr>
-        <a:xfrm>
-          <a:off x="0" y="0"/>
-          <a:ext cx="0" cy="0"/>
-          <a:chOff x="0" y="0"/>
-          <a:chExt cx="0" cy="0"/>
-        </a:xfrm>
-      </p:grpSpPr>
-      <p:sp>
-        <p:nvSpPr>
-          <p:cNvPr id="2" name="Title 1"/>
-          <p:cNvSpPr>
-            <a:spLocks noGrp="1"/>
-          </p:cNvSpPr>
-          <p:nvPr>
-            <p:ph type="title"/>
-          </p:nvPr>
-        </p:nvSpPr>
-        <p:spPr/>
-        <p:txBody>
-          <a:bodyPr>
-            <a:normAutofit/>
-          </a:bodyPr>
-          <a:lstStyle/>
-          <a:p>
-            <a:r>
-              <a:rPr lang="pl-PL" dirty="0" smtClean="0"/>
-              <a:t>HTTP – transfer danych</a:t>
-            </a:r>
-            <a:endParaRPr lang="en-GB" dirty="0"/>
-          </a:p>
-        </p:txBody>
-      </p:sp>
-      <p:pic>
-        <p:nvPicPr>
-          <p:cNvPr id="5" name="Content Placeholder 4"/>
-          <p:cNvPicPr>
-            <a:picLocks noGrp="1" noChangeAspect="1"/>
-          </p:cNvPicPr>
-          <p:nvPr>
-            <p:ph idx="1"/>
-          </p:nvPr>
-        </p:nvPicPr>
-        <p:blipFill>
-          <a:blip r:embed="rId2">
-            <a:extLst>
-              <a:ext uri="{28A0092B-C50C-407E-A947-70E740481C1C}">
-                <a14:useLocalDpi xmlns:a14="http://schemas.microsoft.com/office/drawing/2010/main" val="0"/>
-              </a:ext>
-            </a:extLst>
-          </a:blip>
-          <a:stretch>
-            <a:fillRect/>
-          </a:stretch>
-        </p:blipFill>
-        <p:spPr>
-          <a:xfrm>
-            <a:off x="611560" y="1340768"/>
-            <a:ext cx="6209679" cy="4941272"/>
-          </a:xfrm>
-        </p:spPr>
-      </p:pic>
-    </p:spTree>
-    <p:extLst>
-      <p:ext uri="{BB962C8B-B14F-4D97-AF65-F5344CB8AC3E}">
-        <p14:creationId xmlns:p14="http://schemas.microsoft.com/office/powerpoint/2010/main" val="1432142493"/>
-      </p:ext>
-    </p:extLst>
-  </p:cSld>
-  <p:clrMapOvr>
-    <a:masterClrMapping/>
-  </p:clrMapOvr>
-  <p:timing>
-    <p:tnLst>
-      <p:par>
-        <p:cTn id="1" dur="indefinite" restart="never" nodeType="tmRoot"/>
-      </p:par>
-    </p:tnLst>
-  </p:timing>
-</p:sld>
-</file>
-
-<file path=ppt/slides/slide5.xml><?xml version="1.0" encoding="utf-8"?>
-<p:sld xmlns:a="http://schemas.openxmlformats.org/drawingml/2006/main" xmlns:r="http://schemas.openxmlformats.org/officeDocument/2006/relationships" xmlns:p="http://schemas.openxmlformats.org/presentationml/2006/main">
-  <p:cSld>
-    <p:spTree>
-      <p:nvGrpSpPr>
-        <p:cNvPr id="1" name=""/>
-        <p:cNvGrpSpPr/>
-        <p:nvPr/>
-      </p:nvGrpSpPr>
-      <p:grpSpPr>
-        <a:xfrm>
-          <a:off x="0" y="0"/>
-          <a:ext cx="0" cy="0"/>
-          <a:chOff x="0" y="0"/>
-          <a:chExt cx="0" cy="0"/>
-        </a:xfrm>
-      </p:grpSpPr>
-      <p:sp>
-        <p:nvSpPr>
-          <p:cNvPr id="2" name="Title 1"/>
-          <p:cNvSpPr>
-            <a:spLocks noGrp="1"/>
-          </p:cNvSpPr>
-          <p:nvPr>
-            <p:ph type="title"/>
-          </p:nvPr>
-        </p:nvSpPr>
-        <p:spPr/>
-        <p:txBody>
-          <a:bodyPr/>
-          <a:lstStyle/>
-          <a:p>
-            <a:r>
-              <a:rPr lang="pl-PL" dirty="0" smtClean="0"/>
-              <a:t>HTTP – cechy protokołu</a:t>
-            </a:r>
-            <a:endParaRPr lang="en-GB" dirty="0"/>
-          </a:p>
-        </p:txBody>
-      </p:sp>
-      <p:sp>
-        <p:nvSpPr>
-          <p:cNvPr id="3" name="Content Placeholder 2"/>
-          <p:cNvSpPr>
-            <a:spLocks noGrp="1"/>
-          </p:cNvSpPr>
-          <p:nvPr>
-            <p:ph idx="1"/>
-          </p:nvPr>
-        </p:nvSpPr>
-        <p:spPr/>
-        <p:txBody>
-          <a:bodyPr/>
-          <a:lstStyle/>
-          <a:p>
-            <a:r>
-              <a:rPr lang="pl-PL" dirty="0" smtClean="0"/>
-              <a:t>Bezpołączeniowy (connectless)</a:t>
-            </a:r>
-          </a:p>
-          <a:p>
-            <a:r>
-              <a:rPr lang="pl-PL" dirty="0" smtClean="0"/>
-              <a:t>Bezstanowy (stateless)</a:t>
-            </a:r>
-          </a:p>
-          <a:p>
-            <a:r>
-              <a:rPr lang="pl-PL" dirty="0" smtClean="0"/>
-              <a:t>Niezależny od mediów (media independent)</a:t>
-            </a:r>
-            <a:endParaRPr lang="en-GB" dirty="0"/>
-          </a:p>
-        </p:txBody>
-      </p:sp>
-    </p:spTree>
-    <p:extLst>
-      <p:ext uri="{BB962C8B-B14F-4D97-AF65-F5344CB8AC3E}">
-        <p14:creationId xmlns:p14="http://schemas.microsoft.com/office/powerpoint/2010/main" val="1959579405"/>
-      </p:ext>
-    </p:extLst>
-  </p:cSld>
-  <p:clrMapOvr>
-    <a:masterClrMapping/>
-  </p:clrMapOvr>
-  <p:timing>
-    <p:tnLst>
-      <p:par>
-        <p:cTn id="1" dur="indefinite" restart="never" nodeType="tmRoot"/>
-      </p:par>
-    </p:tnLst>
-  </p:timing>
-</p:sld>
-</file>
-
 <file path=ppt/slides/slide6.xml><?xml version="1.0" encoding="utf-8"?>
 <p:sld xmlns:a="http://schemas.openxmlformats.org/drawingml/2006/main" xmlns:r="http://schemas.openxmlformats.org/officeDocument/2006/relationships" xmlns:p="http://schemas.openxmlformats.org/presentationml/2006/main">
   <p:cSld>
@@ -5098,101 +7431,52 @@
         </p:nvSpPr>
         <p:spPr/>
         <p:txBody>
-          <a:bodyPr/>
-          <a:lstStyle/>
-          <a:p>
-            <a:r>
-              <a:rPr lang="pl-PL" dirty="0" smtClean="0"/>
-              <a:t>HTTP - metody</a:t>
+          <a:bodyPr>
+            <a:normAutofit/>
+          </a:bodyPr>
+          <a:lstStyle/>
+          <a:p>
+            <a:r>
+              <a:rPr lang="pl-PL" dirty="0" smtClean="0"/>
+              <a:t>HTTP – transfer danych</a:t>
             </a:r>
             <a:endParaRPr lang="en-GB" dirty="0"/>
           </a:p>
         </p:txBody>
       </p:sp>
-      <p:sp>
-        <p:nvSpPr>
-          <p:cNvPr id="3" name="Content Placeholder 2"/>
-          <p:cNvSpPr>
-            <a:spLocks noGrp="1"/>
-          </p:cNvSpPr>
+      <p:pic>
+        <p:nvPicPr>
+          <p:cNvPr id="5" name="Content Placeholder 4"/>
+          <p:cNvPicPr>
+            <a:picLocks noGrp="1" noChangeAspect="1"/>
+          </p:cNvPicPr>
           <p:nvPr>
             <p:ph idx="1"/>
           </p:nvPr>
-        </p:nvSpPr>
-        <p:spPr/>
-        <p:txBody>
-          <a:bodyPr>
-            <a:normAutofit lnSpcReduction="10000"/>
-          </a:bodyPr>
-          <a:lstStyle/>
-          <a:p>
-            <a:r>
-              <a:rPr lang="pl-PL" dirty="0" smtClean="0"/>
-              <a:t>CRUD</a:t>
-            </a:r>
-          </a:p>
-          <a:p>
-            <a:pPr lvl="1"/>
-            <a:r>
-              <a:rPr lang="pl-PL" dirty="0" smtClean="0"/>
-              <a:t>GET</a:t>
-            </a:r>
-          </a:p>
-          <a:p>
-            <a:pPr lvl="1"/>
-            <a:r>
-              <a:rPr lang="pl-PL" dirty="0" smtClean="0"/>
-              <a:t>PUT, PATCH</a:t>
-            </a:r>
-          </a:p>
-          <a:p>
-            <a:pPr lvl="1"/>
-            <a:r>
-              <a:rPr lang="pl-PL" dirty="0" smtClean="0"/>
-              <a:t>POST</a:t>
-            </a:r>
-          </a:p>
-          <a:p>
-            <a:pPr lvl="1"/>
-            <a:r>
-              <a:rPr lang="pl-PL" dirty="0" smtClean="0"/>
-              <a:t>DELETE</a:t>
-            </a:r>
-          </a:p>
-          <a:p>
-            <a:r>
-              <a:rPr lang="pl-PL" dirty="0" smtClean="0"/>
-              <a:t>Pozostałe</a:t>
-            </a:r>
-          </a:p>
-          <a:p>
-            <a:pPr lvl="1"/>
-            <a:r>
-              <a:rPr lang="pl-PL" dirty="0" smtClean="0"/>
-              <a:t>OPTIONS</a:t>
-            </a:r>
-          </a:p>
-          <a:p>
-            <a:pPr lvl="1"/>
-            <a:r>
-              <a:rPr lang="pl-PL" dirty="0" smtClean="0"/>
-              <a:t>HEAD</a:t>
-            </a:r>
-          </a:p>
-          <a:p>
-            <a:pPr lvl="1"/>
-            <a:r>
-              <a:rPr lang="pl-PL" dirty="0" smtClean="0"/>
-              <a:t>REDIRECT</a:t>
-            </a:r>
-            <a:endParaRPr lang="en-GB" dirty="0"/>
-          </a:p>
-        </p:txBody>
-      </p:sp>
+        </p:nvPicPr>
+        <p:blipFill>
+          <a:blip r:embed="rId2">
+            <a:extLst>
+              <a:ext uri="{28A0092B-C50C-407E-A947-70E740481C1C}">
+                <a14:useLocalDpi xmlns:a14="http://schemas.microsoft.com/office/drawing/2010/main" val="0"/>
+              </a:ext>
+            </a:extLst>
+          </a:blip>
+          <a:stretch>
+            <a:fillRect/>
+          </a:stretch>
+        </p:blipFill>
+        <p:spPr>
+          <a:xfrm>
+            <a:off x="1331640" y="1268760"/>
+            <a:ext cx="6336704" cy="4941272"/>
+          </a:xfrm>
+        </p:spPr>
+      </p:pic>
     </p:spTree>
     <p:extLst>
       <p:ext uri="{BB962C8B-B14F-4D97-AF65-F5344CB8AC3E}">
-        <p14:creationId xmlns:p14="http://schemas.microsoft.com/office/powerpoint/2010/main" val="303495412"/>
+        <p14:creationId xmlns:p14="http://schemas.microsoft.com/office/powerpoint/2010/main" val="1432142493"/>
       </p:ext>
     </p:extLst>
   </p:cSld>
@@ -5243,116 +7527,63 @@
           <a:p>
             <a:r>
               <a:rPr lang="pl-PL" dirty="0" smtClean="0"/>
-              <a:t>HTTP – metody cd.</a:t>
+              <a:t>HTTP – Struktura żądania</a:t>
             </a:r>
             <a:endParaRPr lang="en-GB" dirty="0"/>
           </a:p>
         </p:txBody>
       </p:sp>
-      <p:sp>
-        <p:nvSpPr>
-          <p:cNvPr id="3" name="Content Placeholder 2"/>
-          <p:cNvSpPr>
-            <a:spLocks noGrp="1"/>
-          </p:cNvSpPr>
-          <p:nvPr>
-            <p:ph idx="1"/>
-          </p:nvPr>
-        </p:nvSpPr>
-        <p:spPr/>
-        <p:txBody>
-          <a:bodyPr>
-            <a:normAutofit fontScale="92500" lnSpcReduction="10000"/>
-          </a:bodyPr>
-          <a:lstStyle/>
-          <a:p>
-            <a:r>
-              <a:rPr lang="pl-PL" dirty="0" smtClean="0"/>
-              <a:t>CRUD</a:t>
-            </a:r>
-          </a:p>
-          <a:p>
-            <a:pPr lvl="1"/>
-            <a:r>
-              <a:rPr lang="pl-PL" dirty="0" smtClean="0"/>
-              <a:t>GET</a:t>
-            </a:r>
-          </a:p>
-          <a:p>
-            <a:pPr lvl="1"/>
-            <a:r>
-              <a:rPr lang="pl-PL" dirty="0" smtClean="0"/>
-              <a:t>PUT</a:t>
-            </a:r>
-          </a:p>
-          <a:p>
-            <a:pPr lvl="1"/>
-            <a:r>
-              <a:rPr lang="pl-PL" dirty="0" smtClean="0"/>
-              <a:t>POST</a:t>
-            </a:r>
-          </a:p>
-          <a:p>
-            <a:pPr lvl="1"/>
-            <a:r>
-              <a:rPr lang="pl-PL" dirty="0" smtClean="0"/>
-              <a:t>DELETE</a:t>
-            </a:r>
-          </a:p>
-          <a:p>
-            <a:r>
-              <a:rPr lang="pl-PL" dirty="0" smtClean="0"/>
-              <a:t>Pozostałe</a:t>
-            </a:r>
-          </a:p>
-          <a:p>
-            <a:pPr lvl="1"/>
-            <a:r>
-              <a:rPr lang="pl-PL" dirty="0" smtClean="0"/>
-              <a:t>OPTIONS</a:t>
-            </a:r>
-          </a:p>
-          <a:p>
-            <a:pPr lvl="1"/>
-            <a:r>
-              <a:rPr lang="pl-PL" dirty="0" smtClean="0"/>
-              <a:t>PATCH</a:t>
-            </a:r>
-          </a:p>
-          <a:p>
-            <a:pPr lvl="1"/>
-            <a:r>
-              <a:rPr lang="pl-PL" dirty="0" smtClean="0"/>
-              <a:t>HEAD</a:t>
-            </a:r>
-          </a:p>
-          <a:p>
-            <a:pPr lvl="1"/>
-            <a:r>
-              <a:rPr lang="pl-PL" dirty="0" smtClean="0"/>
-              <a:t>REDIRECT</a:t>
-            </a:r>
-            <a:endParaRPr lang="en-GB" dirty="0"/>
-          </a:p>
-        </p:txBody>
-      </p:sp>
+      <p:pic>
+        <p:nvPicPr>
+          <p:cNvPr id="3074" name="Picture 2" descr="C:\Users\gf2ryba\Desktop\microservices lectures\images\http_request.png"/>
+          <p:cNvPicPr>
+            <a:picLocks noChangeAspect="1" noChangeArrowheads="1"/>
+          </p:cNvPicPr>
+          <p:nvPr/>
+        </p:nvPicPr>
+        <p:blipFill>
+          <a:blip r:embed="rId2">
+            <a:extLst>
+              <a:ext uri="{28A0092B-C50C-407E-A947-70E740481C1C}">
+                <a14:useLocalDpi xmlns:a14="http://schemas.microsoft.com/office/drawing/2010/main" val="0"/>
+              </a:ext>
+            </a:extLst>
+          </a:blip>
+          <a:srcRect/>
+          <a:stretch>
+            <a:fillRect/>
+          </a:stretch>
+        </p:blipFill>
+        <p:spPr bwMode="auto">
+          <a:xfrm>
+            <a:off x="395536" y="2060848"/>
+            <a:ext cx="8334940" cy="2808312"/>
+          </a:xfrm>
+          <a:prstGeom prst="rect">
+            <a:avLst/>
+          </a:prstGeom>
+          <a:noFill/>
+          <a:extLst>
+            <a:ext uri="{909E8E84-426E-40DD-AFC4-6F175D3DCCD1}">
+              <a14:hiddenFill xmlns:a14="http://schemas.microsoft.com/office/drawing/2010/main">
+                <a:solidFill>
+                  <a:srgbClr val="FFFFFF"/>
+                </a:solidFill>
+              </a14:hiddenFill>
+            </a:ext>
+          </a:extLst>
+        </p:spPr>
+      </p:pic>
     </p:spTree>
     <p:extLst>
       <p:ext uri="{BB962C8B-B14F-4D97-AF65-F5344CB8AC3E}">
-        <p14:creationId xmlns:p14="http://schemas.microsoft.com/office/powerpoint/2010/main" val="3429900478"/>
+        <p14:creationId xmlns:p14="http://schemas.microsoft.com/office/powerpoint/2010/main" val="3113325428"/>
       </p:ext>
     </p:extLst>
   </p:cSld>
   <p:clrMapOvr>
     <a:masterClrMapping/>
   </p:clrMapOvr>
-  <p:timing>
-    <p:tnLst>
-      <p:par>
-        <p:cTn id="1" dur="indefinite" restart="never" nodeType="tmRoot"/>
-      </p:par>
-    </p:tnLst>
-  </p:timing>
 </p:sld>
 </file>
 
@@ -5390,48 +7621,63 @@
           <a:p>
             <a:r>
               <a:rPr lang="pl-PL" dirty="0" smtClean="0"/>
-              <a:t>SOAP vs REST </a:t>
+              <a:t>HTTP – Struktura odpowiedzi</a:t>
             </a:r>
             <a:endParaRPr lang="en-GB" dirty="0"/>
           </a:p>
         </p:txBody>
       </p:sp>
-      <p:sp>
-        <p:nvSpPr>
-          <p:cNvPr id="3" name="Content Placeholder 2"/>
-          <p:cNvSpPr>
-            <a:spLocks noGrp="1"/>
-          </p:cNvSpPr>
-          <p:nvPr>
-            <p:ph idx="1"/>
-          </p:nvPr>
-        </p:nvSpPr>
-        <p:spPr/>
-        <p:txBody>
-          <a:bodyPr/>
-          <a:lstStyle/>
-          <a:p>
-            <a:endParaRPr lang="en-GB" dirty="0"/>
-          </a:p>
-        </p:txBody>
-      </p:sp>
+      <p:pic>
+        <p:nvPicPr>
+          <p:cNvPr id="4098" name="Picture 2" descr="C:\Users\gf2ryba\Desktop\microservices lectures\images\http_response.png"/>
+          <p:cNvPicPr>
+            <a:picLocks noChangeAspect="1" noChangeArrowheads="1"/>
+          </p:cNvPicPr>
+          <p:nvPr/>
+        </p:nvPicPr>
+        <p:blipFill>
+          <a:blip r:embed="rId2">
+            <a:extLst>
+              <a:ext uri="{28A0092B-C50C-407E-A947-70E740481C1C}">
+                <a14:useLocalDpi xmlns:a14="http://schemas.microsoft.com/office/drawing/2010/main" val="0"/>
+              </a:ext>
+            </a:extLst>
+          </a:blip>
+          <a:srcRect/>
+          <a:stretch>
+            <a:fillRect/>
+          </a:stretch>
+        </p:blipFill>
+        <p:spPr bwMode="auto">
+          <a:xfrm>
+            <a:off x="395536" y="2060848"/>
+            <a:ext cx="8171377" cy="3100238"/>
+          </a:xfrm>
+          <a:prstGeom prst="rect">
+            <a:avLst/>
+          </a:prstGeom>
+          <a:noFill/>
+          <a:extLst>
+            <a:ext uri="{909E8E84-426E-40DD-AFC4-6F175D3DCCD1}">
+              <a14:hiddenFill xmlns:a14="http://schemas.microsoft.com/office/drawing/2010/main">
+                <a:solidFill>
+                  <a:srgbClr val="FFFFFF"/>
+                </a:solidFill>
+              </a14:hiddenFill>
+            </a:ext>
+          </a:extLst>
+        </p:spPr>
+      </p:pic>
     </p:spTree>
     <p:extLst>
       <p:ext uri="{BB962C8B-B14F-4D97-AF65-F5344CB8AC3E}">
-        <p14:creationId xmlns:p14="http://schemas.microsoft.com/office/powerpoint/2010/main" val="3492050975"/>
+        <p14:creationId xmlns:p14="http://schemas.microsoft.com/office/powerpoint/2010/main" val="1914619395"/>
       </p:ext>
     </p:extLst>
   </p:cSld>
   <p:clrMapOvr>
     <a:masterClrMapping/>
   </p:clrMapOvr>
-  <p:timing>
-    <p:tnLst>
-      <p:par>
-        <p:cTn id="1" dur="indefinite" restart="never" nodeType="tmRoot"/>
-      </p:par>
-    </p:tnLst>
-  </p:timing>
 </p:sld>
 </file>
 
@@ -5452,53 +7698,59 @@
           <a:chExt cx="0" cy="0"/>
         </a:xfrm>
       </p:grpSpPr>
-      <p:pic>
-        <p:nvPicPr>
-          <p:cNvPr id="4" name="Content Placeholder 3"/>
-          <p:cNvPicPr>
-            <a:picLocks noGrp="1" noChangeAspect="1"/>
-          </p:cNvPicPr>
+      <p:sp>
+        <p:nvSpPr>
+          <p:cNvPr id="2" name="Title 1"/>
+          <p:cNvSpPr>
+            <a:spLocks noGrp="1"/>
+          </p:cNvSpPr>
+          <p:nvPr>
+            <p:ph type="title"/>
+          </p:nvPr>
+        </p:nvSpPr>
+        <p:spPr/>
+        <p:txBody>
+          <a:bodyPr/>
+          <a:lstStyle/>
+          <a:p>
+            <a:r>
+              <a:rPr lang="pl-PL" dirty="0" smtClean="0"/>
+              <a:t>HTTP – cechy protokołu</a:t>
+            </a:r>
+            <a:endParaRPr lang="en-GB" dirty="0"/>
+          </a:p>
+        </p:txBody>
+      </p:sp>
+      <p:sp>
+        <p:nvSpPr>
+          <p:cNvPr id="3" name="Content Placeholder 2"/>
+          <p:cNvSpPr>
+            <a:spLocks noGrp="1"/>
+          </p:cNvSpPr>
           <p:nvPr>
             <p:ph idx="1"/>
           </p:nvPr>
-        </p:nvPicPr>
-        <p:blipFill>
-          <a:blip r:embed="rId2">
-            <a:extLst>
-              <a:ext uri="{28A0092B-C50C-407E-A947-70E740481C1C}">
-                <a14:useLocalDpi xmlns:a14="http://schemas.microsoft.com/office/drawing/2010/main" val="0"/>
-              </a:ext>
-            </a:extLst>
-          </a:blip>
-          <a:stretch>
-            <a:fillRect/>
-          </a:stretch>
-        </p:blipFill>
-        <p:spPr>
-          <a:xfrm>
-            <a:off x="683568" y="1268760"/>
-            <a:ext cx="7883191" cy="5282174"/>
-          </a:xfrm>
-        </p:spPr>
-      </p:pic>
-      <p:sp>
-        <p:nvSpPr>
-          <p:cNvPr id="2" name="Title 1"/>
-          <p:cNvSpPr>
-            <a:spLocks noGrp="1"/>
-          </p:cNvSpPr>
-          <p:nvPr>
-            <p:ph type="title"/>
-          </p:nvPr>
-        </p:nvSpPr>
-        <p:spPr/>
-        <p:txBody>
-          <a:bodyPr/>
-          <a:lstStyle/>
-          <a:p>
-            <a:r>
-              <a:rPr lang="pl-PL" dirty="0" smtClean="0"/>
-              <a:t>Model dojrzałości Richardsona</a:t>
+        </p:nvSpPr>
+        <p:spPr/>
+        <p:txBody>
+          <a:bodyPr/>
+          <a:lstStyle/>
+          <a:p>
+            <a:r>
+              <a:rPr lang="pl-PL" dirty="0" smtClean="0"/>
+              <a:t>Bezpołączeniowy (connectionless)</a:t>
+            </a:r>
+          </a:p>
+          <a:p>
+            <a:r>
+              <a:rPr lang="pl-PL" dirty="0" smtClean="0"/>
+              <a:t>Bezstanowy (stateless)</a:t>
+            </a:r>
+          </a:p>
+          <a:p>
+            <a:r>
+              <a:rPr lang="pl-PL" dirty="0" smtClean="0"/>
+              <a:t>Niezależny od mediów (media independent)</a:t>
             </a:r>
             <a:endParaRPr lang="en-GB" dirty="0"/>
           </a:p>
@@ -5507,7 +7759,7 @@
     </p:spTree>
     <p:extLst>
       <p:ext uri="{BB962C8B-B14F-4D97-AF65-F5344CB8AC3E}">
-        <p14:creationId xmlns:p14="http://schemas.microsoft.com/office/powerpoint/2010/main" val="3019921870"/>
+        <p14:creationId xmlns:p14="http://schemas.microsoft.com/office/powerpoint/2010/main" val="1959579405"/>
       </p:ext>
     </p:extLst>
   </p:cSld>

--- a/monolit/documentation/microservices lectures/HTTP + REST.pptx
+++ b/monolit/documentation/microservices lectures/HTTP + REST.pptx
@@ -5,7 +5,7 @@
     <p:sldMasterId id="2147483648" r:id="rId1"/>
   </p:sldMasterIdLst>
   <p:notesMasterIdLst>
-    <p:notesMasterId r:id="rId29"/>
+    <p:notesMasterId r:id="rId30"/>
   </p:notesMasterIdLst>
   <p:sldIdLst>
     <p:sldId id="256" r:id="rId2"/>
@@ -35,6 +35,7 @@
     <p:sldId id="269" r:id="rId26"/>
     <p:sldId id="271" r:id="rId27"/>
     <p:sldId id="261" r:id="rId28"/>
+    <p:sldId id="289" r:id="rId29"/>
   </p:sldIdLst>
   <p:sldSz cx="9144000" cy="6858000" type="screen4x3"/>
   <p:notesSz cx="6858000" cy="9144000"/>
@@ -218,7 +219,7 @@
           <a:p>
             <a:fld id="{6737019A-20A8-4E25-AB94-2585A166F0A3}" type="datetimeFigureOut">
               <a:rPr lang="en-GB" smtClean="0"/>
-              <a:t>11/03/2019</a:t>
+              <a:t>26/03/2019</a:t>
             </a:fld>
             <a:endParaRPr lang="en-GB"/>
           </a:p>
@@ -1318,7 +1319,7 @@
           <a:p>
             <a:fld id="{B8AC57D2-9CA0-4D85-89A6-86FB0E8F25F6}" type="datetimeFigureOut">
               <a:rPr lang="en-GB" smtClean="0"/>
-              <a:t>11/03/2019</a:t>
+              <a:t>26/03/2019</a:t>
             </a:fld>
             <a:endParaRPr lang="en-GB"/>
           </a:p>
@@ -1488,7 +1489,7 @@
           <a:p>
             <a:fld id="{B8AC57D2-9CA0-4D85-89A6-86FB0E8F25F6}" type="datetimeFigureOut">
               <a:rPr lang="en-GB" smtClean="0"/>
-              <a:t>11/03/2019</a:t>
+              <a:t>26/03/2019</a:t>
             </a:fld>
             <a:endParaRPr lang="en-GB"/>
           </a:p>
@@ -1668,7 +1669,7 @@
           <a:p>
             <a:fld id="{B8AC57D2-9CA0-4D85-89A6-86FB0E8F25F6}" type="datetimeFigureOut">
               <a:rPr lang="en-GB" smtClean="0"/>
-              <a:t>11/03/2019</a:t>
+              <a:t>26/03/2019</a:t>
             </a:fld>
             <a:endParaRPr lang="en-GB"/>
           </a:p>
@@ -1838,7 +1839,7 @@
           <a:p>
             <a:fld id="{B8AC57D2-9CA0-4D85-89A6-86FB0E8F25F6}" type="datetimeFigureOut">
               <a:rPr lang="en-GB" smtClean="0"/>
-              <a:t>11/03/2019</a:t>
+              <a:t>26/03/2019</a:t>
             </a:fld>
             <a:endParaRPr lang="en-GB"/>
           </a:p>
@@ -2084,7 +2085,7 @@
           <a:p>
             <a:fld id="{B8AC57D2-9CA0-4D85-89A6-86FB0E8F25F6}" type="datetimeFigureOut">
               <a:rPr lang="en-GB" smtClean="0"/>
-              <a:t>11/03/2019</a:t>
+              <a:t>26/03/2019</a:t>
             </a:fld>
             <a:endParaRPr lang="en-GB"/>
           </a:p>
@@ -2372,7 +2373,7 @@
           <a:p>
             <a:fld id="{B8AC57D2-9CA0-4D85-89A6-86FB0E8F25F6}" type="datetimeFigureOut">
               <a:rPr lang="en-GB" smtClean="0"/>
-              <a:t>11/03/2019</a:t>
+              <a:t>26/03/2019</a:t>
             </a:fld>
             <a:endParaRPr lang="en-GB"/>
           </a:p>
@@ -2794,7 +2795,7 @@
           <a:p>
             <a:fld id="{B8AC57D2-9CA0-4D85-89A6-86FB0E8F25F6}" type="datetimeFigureOut">
               <a:rPr lang="en-GB" smtClean="0"/>
-              <a:t>11/03/2019</a:t>
+              <a:t>26/03/2019</a:t>
             </a:fld>
             <a:endParaRPr lang="en-GB"/>
           </a:p>
@@ -2912,7 +2913,7 @@
           <a:p>
             <a:fld id="{B8AC57D2-9CA0-4D85-89A6-86FB0E8F25F6}" type="datetimeFigureOut">
               <a:rPr lang="en-GB" smtClean="0"/>
-              <a:t>11/03/2019</a:t>
+              <a:t>26/03/2019</a:t>
             </a:fld>
             <a:endParaRPr lang="en-GB"/>
           </a:p>
@@ -3007,7 +3008,7 @@
           <a:p>
             <a:fld id="{B8AC57D2-9CA0-4D85-89A6-86FB0E8F25F6}" type="datetimeFigureOut">
               <a:rPr lang="en-GB" smtClean="0"/>
-              <a:t>11/03/2019</a:t>
+              <a:t>26/03/2019</a:t>
             </a:fld>
             <a:endParaRPr lang="en-GB"/>
           </a:p>
@@ -3284,7 +3285,7 @@
           <a:p>
             <a:fld id="{B8AC57D2-9CA0-4D85-89A6-86FB0E8F25F6}" type="datetimeFigureOut">
               <a:rPr lang="en-GB" smtClean="0"/>
-              <a:t>11/03/2019</a:t>
+              <a:t>26/03/2019</a:t>
             </a:fld>
             <a:endParaRPr lang="en-GB"/>
           </a:p>
@@ -3537,7 +3538,7 @@
           <a:p>
             <a:fld id="{B8AC57D2-9CA0-4D85-89A6-86FB0E8F25F6}" type="datetimeFigureOut">
               <a:rPr lang="en-GB" smtClean="0"/>
-              <a:t>11/03/2019</a:t>
+              <a:t>26/03/2019</a:t>
             </a:fld>
             <a:endParaRPr lang="en-GB"/>
           </a:p>
@@ -3750,7 +3751,7 @@
           <a:p>
             <a:fld id="{B8AC57D2-9CA0-4D85-89A6-86FB0E8F25F6}" type="datetimeFigureOut">
               <a:rPr lang="en-GB" smtClean="0"/>
-              <a:t>11/03/2019</a:t>
+              <a:t>26/03/2019</a:t>
             </a:fld>
             <a:endParaRPr lang="en-GB"/>
           </a:p>
@@ -4163,6 +4164,18 @@
           <a:bodyPr/>
           <a:lstStyle/>
           <a:p>
+            <a:r>
+              <a:rPr lang="pl-PL" dirty="0" smtClean="0"/>
+              <a:t>Arkadiusz Labus</a:t>
+            </a:r>
+          </a:p>
+          <a:p>
+            <a:r>
+              <a:rPr lang="pl-PL" dirty="0" smtClean="0"/>
+              <a:t>Rafał Rybacki</a:t>
+            </a:r>
+          </a:p>
+          <a:p>
             <a:endParaRPr lang="en-GB" dirty="0"/>
           </a:p>
         </p:txBody>
@@ -5463,26 +5476,74 @@
           <a:p>
             <a:r>
               <a:rPr lang="pl-PL" dirty="0" smtClean="0"/>
-              <a:t>REST API</a:t>
-            </a:r>
-          </a:p>
-          <a:p>
+              <a:t>Trochę teorii</a:t>
+            </a:r>
+          </a:p>
+          <a:p>
+            <a:pPr lvl="1">
+              <a:buFont typeface="Wingdings" panose="05000000000000000000" pitchFamily="2" charset="2"/>
+              <a:buChar char="§"/>
+            </a:pPr>
+            <a:r>
+              <a:rPr lang="pl-PL" dirty="0" smtClean="0"/>
+              <a:t>REST </a:t>
+            </a:r>
+            <a:r>
+              <a:rPr lang="pl-PL" dirty="0" smtClean="0"/>
+              <a:t>API</a:t>
+            </a:r>
+          </a:p>
+          <a:p>
+            <a:pPr lvl="1">
+              <a:buFont typeface="Wingdings" panose="05000000000000000000" pitchFamily="2" charset="2"/>
+              <a:buChar char="§"/>
+            </a:pPr>
             <a:r>
               <a:rPr lang="pl-PL" dirty="0" smtClean="0"/>
               <a:t>Protokół HTTP</a:t>
             </a:r>
           </a:p>
           <a:p>
+            <a:pPr lvl="1">
+              <a:buFont typeface="Wingdings" panose="05000000000000000000" pitchFamily="2" charset="2"/>
+              <a:buChar char="§"/>
+            </a:pPr>
             <a:r>
               <a:rPr lang="pl-PL" dirty="0" smtClean="0"/>
               <a:t>Implementacja REST w Javie</a:t>
             </a:r>
+          </a:p>
+          <a:p>
+            <a:pPr lvl="1">
+              <a:buFont typeface="Wingdings" panose="05000000000000000000" pitchFamily="2" charset="2"/>
+              <a:buChar char="§"/>
+            </a:pPr>
+            <a:r>
+              <a:rPr lang="pl-PL" dirty="0" smtClean="0"/>
+              <a:t>Dobre praktyki </a:t>
+            </a:r>
+            <a:r>
+              <a:rPr lang="pl-PL" dirty="0" smtClean="0"/>
+              <a:t>programistyczne</a:t>
+            </a:r>
+          </a:p>
+          <a:p>
+            <a:r>
+              <a:rPr lang="pl-PL" dirty="0" smtClean="0"/>
+              <a:t>Przerwa </a:t>
+            </a:r>
             <a:endParaRPr lang="pl-PL" dirty="0" smtClean="0"/>
           </a:p>
           <a:p>
             <a:r>
               <a:rPr lang="pl-PL" dirty="0" smtClean="0"/>
-              <a:t>Dobre praktyki programistyczne</a:t>
+              <a:t>Trochę kodowania </a:t>
+            </a:r>
+            <a:r>
+              <a:rPr lang="pl-PL" dirty="0" smtClean="0">
+                <a:sym typeface="Wingdings" panose="05000000000000000000" pitchFamily="2" charset="2"/>
+              </a:rPr>
+              <a:t></a:t>
             </a:r>
             <a:endParaRPr lang="en-GB" dirty="0"/>
           </a:p>
@@ -6748,6 +6809,111 @@
       </p:par>
     </p:tnLst>
   </p:timing>
+</p:sld>
+</file>
+
+<file path=ppt/slides/slide28.xml><?xml version="1.0" encoding="utf-8"?>
+<p:sld xmlns:a="http://schemas.openxmlformats.org/drawingml/2006/main" xmlns:r="http://schemas.openxmlformats.org/officeDocument/2006/relationships" xmlns:p="http://schemas.openxmlformats.org/presentationml/2006/main">
+  <p:cSld>
+    <p:spTree>
+      <p:nvGrpSpPr>
+        <p:cNvPr id="1" name=""/>
+        <p:cNvGrpSpPr/>
+        <p:nvPr/>
+      </p:nvGrpSpPr>
+      <p:grpSpPr>
+        <a:xfrm>
+          <a:off x="0" y="0"/>
+          <a:ext cx="0" cy="0"/>
+          <a:chOff x="0" y="0"/>
+          <a:chExt cx="0" cy="0"/>
+        </a:xfrm>
+      </p:grpSpPr>
+      <p:sp>
+        <p:nvSpPr>
+          <p:cNvPr id="2" name="Title 1"/>
+          <p:cNvSpPr>
+            <a:spLocks noGrp="1"/>
+          </p:cNvSpPr>
+          <p:nvPr>
+            <p:ph type="title"/>
+          </p:nvPr>
+        </p:nvSpPr>
+        <p:spPr/>
+        <p:txBody>
+          <a:bodyPr/>
+          <a:lstStyle/>
+          <a:p>
+            <a:r>
+              <a:rPr lang="pl-PL" dirty="0" smtClean="0"/>
+              <a:t>A teraz czas na zabawę </a:t>
+            </a:r>
+            <a:endParaRPr lang="en-GB" dirty="0"/>
+          </a:p>
+        </p:txBody>
+      </p:sp>
+      <p:sp>
+        <p:nvSpPr>
+          <p:cNvPr id="3" name="Content Placeholder 2"/>
+          <p:cNvSpPr>
+            <a:spLocks noGrp="1"/>
+          </p:cNvSpPr>
+          <p:nvPr>
+            <p:ph idx="1"/>
+          </p:nvPr>
+        </p:nvSpPr>
+        <p:spPr/>
+        <p:txBody>
+          <a:bodyPr/>
+          <a:lstStyle/>
+          <a:p>
+            <a:r>
+              <a:rPr lang="pl-PL" dirty="0" smtClean="0"/>
+              <a:t>Repozytorium github:</a:t>
+            </a:r>
+          </a:p>
+          <a:p>
+            <a:pPr marL="457200" lvl="1" indent="0">
+              <a:buNone/>
+            </a:pPr>
+            <a:r>
+              <a:rPr lang="en-GB" dirty="0">
+                <a:hlinkClick r:id="rId2"/>
+              </a:rPr>
+              <a:t>https://</a:t>
+            </a:r>
+            <a:r>
+              <a:rPr lang="en-GB" dirty="0" smtClean="0">
+                <a:hlinkClick r:id="rId2"/>
+              </a:rPr>
+              <a:t>github.com/rybeek84/microservices-part1</a:t>
+            </a:r>
+            <a:endParaRPr lang="pl-PL" dirty="0" smtClean="0"/>
+          </a:p>
+          <a:p>
+            <a:pPr marL="457200" lvl="1" indent="0">
+              <a:buNone/>
+            </a:pPr>
+            <a:endParaRPr lang="pl-PL" dirty="0"/>
+          </a:p>
+          <a:p>
+            <a:pPr marL="0" indent="0">
+              <a:buNone/>
+            </a:pPr>
+            <a:endParaRPr lang="en-GB" dirty="0"/>
+          </a:p>
+        </p:txBody>
+      </p:sp>
+    </p:spTree>
+    <p:extLst>
+      <p:ext uri="{BB962C8B-B14F-4D97-AF65-F5344CB8AC3E}">
+        <p14:creationId xmlns:p14="http://schemas.microsoft.com/office/powerpoint/2010/main" val="3030117730"/>
+      </p:ext>
+    </p:extLst>
+  </p:cSld>
+  <p:clrMapOvr>
+    <a:masterClrMapping/>
+  </p:clrMapOvr>
 </p:sld>
 </file>
 
